--- a/PPMV_v1/icon_maker.pptx
+++ b/PPMV_v1/icon_maker.pptx
@@ -8,6 +8,9 @@
     <p:sldId id="256" r:id="rId2"/>
     <p:sldId id="257" r:id="rId3"/>
     <p:sldId id="258" r:id="rId4"/>
+    <p:sldId id="259" r:id="rId5"/>
+    <p:sldId id="260" r:id="rId6"/>
+    <p:sldId id="261" r:id="rId7"/>
   </p:sldIdLst>
   <p:sldSz cx="12192000" cy="6858000"/>
   <p:notesSz cx="6858000" cy="9144000"/>
@@ -106,6 +109,11 @@
       </a:defRPr>
     </a:lvl9pPr>
   </p:defaultTextStyle>
+  <p:extLst>
+    <p:ext uri="{EFAFB233-063F-42B5-8137-9DF3F51BA10A}">
+      <p15:sldGuideLst xmlns:p15="http://schemas.microsoft.com/office/powerpoint/2012/main"/>
+    </p:ext>
+  </p:extLst>
 </p:presentation>
 </file>
 
@@ -256,7 +264,7 @@
           <a:p>
             <a:fld id="{0E4DBCDE-CD68-4BE3-9A6E-D648DEC77DF0}" type="datetimeFigureOut">
               <a:rPr lang="en-US" smtClean="0"/>
-              <a:t>6/25/2020</a:t>
+              <a:t>7/11/2020</a:t>
             </a:fld>
             <a:endParaRPr lang="en-US"/>
           </a:p>
@@ -454,7 +462,7 @@
           <a:p>
             <a:fld id="{0E4DBCDE-CD68-4BE3-9A6E-D648DEC77DF0}" type="datetimeFigureOut">
               <a:rPr lang="en-US" smtClean="0"/>
-              <a:t>6/25/2020</a:t>
+              <a:t>7/11/2020</a:t>
             </a:fld>
             <a:endParaRPr lang="en-US"/>
           </a:p>
@@ -662,7 +670,7 @@
           <a:p>
             <a:fld id="{0E4DBCDE-CD68-4BE3-9A6E-D648DEC77DF0}" type="datetimeFigureOut">
               <a:rPr lang="en-US" smtClean="0"/>
-              <a:t>6/25/2020</a:t>
+              <a:t>7/11/2020</a:t>
             </a:fld>
             <a:endParaRPr lang="en-US"/>
           </a:p>
@@ -860,7 +868,7 @@
           <a:p>
             <a:fld id="{0E4DBCDE-CD68-4BE3-9A6E-D648DEC77DF0}" type="datetimeFigureOut">
               <a:rPr lang="en-US" smtClean="0"/>
-              <a:t>6/25/2020</a:t>
+              <a:t>7/11/2020</a:t>
             </a:fld>
             <a:endParaRPr lang="en-US"/>
           </a:p>
@@ -1135,7 +1143,7 @@
           <a:p>
             <a:fld id="{0E4DBCDE-CD68-4BE3-9A6E-D648DEC77DF0}" type="datetimeFigureOut">
               <a:rPr lang="en-US" smtClean="0"/>
-              <a:t>6/25/2020</a:t>
+              <a:t>7/11/2020</a:t>
             </a:fld>
             <a:endParaRPr lang="en-US"/>
           </a:p>
@@ -1400,7 +1408,7 @@
           <a:p>
             <a:fld id="{0E4DBCDE-CD68-4BE3-9A6E-D648DEC77DF0}" type="datetimeFigureOut">
               <a:rPr lang="en-US" smtClean="0"/>
-              <a:t>6/25/2020</a:t>
+              <a:t>7/11/2020</a:t>
             </a:fld>
             <a:endParaRPr lang="en-US"/>
           </a:p>
@@ -1812,7 +1820,7 @@
           <a:p>
             <a:fld id="{0E4DBCDE-CD68-4BE3-9A6E-D648DEC77DF0}" type="datetimeFigureOut">
               <a:rPr lang="en-US" smtClean="0"/>
-              <a:t>6/25/2020</a:t>
+              <a:t>7/11/2020</a:t>
             </a:fld>
             <a:endParaRPr lang="en-US"/>
           </a:p>
@@ -1953,7 +1961,7 @@
           <a:p>
             <a:fld id="{0E4DBCDE-CD68-4BE3-9A6E-D648DEC77DF0}" type="datetimeFigureOut">
               <a:rPr lang="en-US" smtClean="0"/>
-              <a:t>6/25/2020</a:t>
+              <a:t>7/11/2020</a:t>
             </a:fld>
             <a:endParaRPr lang="en-US"/>
           </a:p>
@@ -2066,7 +2074,7 @@
           <a:p>
             <a:fld id="{0E4DBCDE-CD68-4BE3-9A6E-D648DEC77DF0}" type="datetimeFigureOut">
               <a:rPr lang="en-US" smtClean="0"/>
-              <a:t>6/25/2020</a:t>
+              <a:t>7/11/2020</a:t>
             </a:fld>
             <a:endParaRPr lang="en-US"/>
           </a:p>
@@ -2377,7 +2385,7 @@
           <a:p>
             <a:fld id="{0E4DBCDE-CD68-4BE3-9A6E-D648DEC77DF0}" type="datetimeFigureOut">
               <a:rPr lang="en-US" smtClean="0"/>
-              <a:t>6/25/2020</a:t>
+              <a:t>7/11/2020</a:t>
             </a:fld>
             <a:endParaRPr lang="en-US"/>
           </a:p>
@@ -2665,7 +2673,7 @@
           <a:p>
             <a:fld id="{0E4DBCDE-CD68-4BE3-9A6E-D648DEC77DF0}" type="datetimeFigureOut">
               <a:rPr lang="en-US" smtClean="0"/>
-              <a:t>6/25/2020</a:t>
+              <a:t>7/11/2020</a:t>
             </a:fld>
             <a:endParaRPr lang="en-US"/>
           </a:p>
@@ -2906,7 +2914,7 @@
           <a:p>
             <a:fld id="{0E4DBCDE-CD68-4BE3-9A6E-D648DEC77DF0}" type="datetimeFigureOut">
               <a:rPr lang="en-US" smtClean="0"/>
-              <a:t>6/25/2020</a:t>
+              <a:t>7/11/2020</a:t>
             </a:fld>
             <a:endParaRPr lang="en-US"/>
           </a:p>
@@ -3342,7 +3350,7 @@
         <p:spPr>
           <a:xfrm>
             <a:off x="1390835" y="370566"/>
-            <a:ext cx="9144000" cy="1655762"/>
+            <a:ext cx="9144000" cy="439059"/>
           </a:xfrm>
         </p:spPr>
         <p:txBody>
@@ -3446,6 +3454,120 @@
           </a:prstGeom>
         </p:spPr>
       </p:pic>
+      <p:pic>
+        <p:nvPicPr>
+          <p:cNvPr id="2" name="Picture 1">
+            <a:extLst>
+              <a:ext uri="{FF2B5EF4-FFF2-40B4-BE49-F238E27FC236}">
+                <a16:creationId xmlns:a16="http://schemas.microsoft.com/office/drawing/2014/main" id="{700D90F6-06A3-40F6-A0DF-DD367A62BC01}"/>
+              </a:ext>
+            </a:extLst>
+          </p:cNvPr>
+          <p:cNvPicPr>
+            <a:picLocks noChangeAspect="1"/>
+          </p:cNvPicPr>
+          <p:nvPr/>
+        </p:nvPicPr>
+        <p:blipFill>
+          <a:blip r:embed="rId5"/>
+          <a:stretch>
+            <a:fillRect/>
+          </a:stretch>
+        </p:blipFill>
+        <p:spPr>
+          <a:xfrm>
+            <a:off x="3287681" y="1198448"/>
+            <a:ext cx="594035" cy="559332"/>
+          </a:xfrm>
+          <a:prstGeom prst="rect">
+            <a:avLst/>
+          </a:prstGeom>
+        </p:spPr>
+      </p:pic>
+      <p:pic>
+        <p:nvPicPr>
+          <p:cNvPr id="4" name="Picture 3">
+            <a:extLst>
+              <a:ext uri="{FF2B5EF4-FFF2-40B4-BE49-F238E27FC236}">
+                <a16:creationId xmlns:a16="http://schemas.microsoft.com/office/drawing/2014/main" id="{3925356D-27D4-4C2D-BE7F-23C94CDE72EF}"/>
+              </a:ext>
+            </a:extLst>
+          </p:cNvPr>
+          <p:cNvPicPr>
+            <a:picLocks noChangeAspect="1"/>
+          </p:cNvPicPr>
+          <p:nvPr/>
+        </p:nvPicPr>
+        <p:blipFill>
+          <a:blip r:embed="rId6"/>
+          <a:stretch>
+            <a:fillRect/>
+          </a:stretch>
+        </p:blipFill>
+        <p:spPr>
+          <a:xfrm>
+            <a:off x="4093374" y="1198447"/>
+            <a:ext cx="594035" cy="555249"/>
+          </a:xfrm>
+          <a:prstGeom prst="rect">
+            <a:avLst/>
+          </a:prstGeom>
+        </p:spPr>
+      </p:pic>
+      <p:sp>
+        <p:nvSpPr>
+          <p:cNvPr id="16" name="Rectangle: Rounded Corners 15">
+            <a:extLst>
+              <a:ext uri="{FF2B5EF4-FFF2-40B4-BE49-F238E27FC236}">
+                <a16:creationId xmlns:a16="http://schemas.microsoft.com/office/drawing/2014/main" id="{9CF42F8A-E74A-46E4-A9AD-815497792680}"/>
+              </a:ext>
+            </a:extLst>
+          </p:cNvPr>
+          <p:cNvSpPr/>
+          <p:nvPr/>
+        </p:nvSpPr>
+        <p:spPr>
+          <a:xfrm>
+            <a:off x="5011723" y="1198447"/>
+            <a:ext cx="594036" cy="555249"/>
+          </a:xfrm>
+          <a:prstGeom prst="roundRect">
+            <a:avLst/>
+          </a:prstGeom>
+          <a:solidFill>
+            <a:schemeClr val="bg1"/>
+          </a:solidFill>
+          <a:ln>
+            <a:solidFill>
+              <a:schemeClr val="tx1"/>
+            </a:solidFill>
+          </a:ln>
+        </p:spPr>
+        <p:style>
+          <a:lnRef idx="2">
+            <a:schemeClr val="accent1">
+              <a:shade val="50000"/>
+            </a:schemeClr>
+          </a:lnRef>
+          <a:fillRef idx="1">
+            <a:schemeClr val="accent1"/>
+          </a:fillRef>
+          <a:effectRef idx="0">
+            <a:schemeClr val="accent1"/>
+          </a:effectRef>
+          <a:fontRef idx="minor">
+            <a:schemeClr val="lt1"/>
+          </a:fontRef>
+        </p:style>
+        <p:txBody>
+          <a:bodyPr rtlCol="0" anchor="ctr"/>
+          <a:lstStyle/>
+          <a:p>
+            <a:pPr algn="ctr"/>
+            <a:endParaRPr lang="en-US" dirty="0"/>
+          </a:p>
+        </p:txBody>
+      </p:sp>
     </p:spTree>
     <p:extLst>
       <p:ext uri="{BB962C8B-B14F-4D97-AF65-F5344CB8AC3E}">
@@ -3882,6 +4004,733 @@
     <p:extLst>
       <p:ext uri="{BB962C8B-B14F-4D97-AF65-F5344CB8AC3E}">
         <p14:creationId xmlns:p14="http://schemas.microsoft.com/office/powerpoint/2010/main" val="3334742400"/>
+      </p:ext>
+    </p:extLst>
+  </p:cSld>
+  <p:clrMapOvr>
+    <a:masterClrMapping/>
+  </p:clrMapOvr>
+</p:sld>
+</file>
+
+<file path=ppt/slides/slide4.xml><?xml version="1.0" encoding="utf-8"?>
+<p:sld xmlns:a="http://schemas.openxmlformats.org/drawingml/2006/main" xmlns:r="http://schemas.openxmlformats.org/officeDocument/2006/relationships" xmlns:p="http://schemas.openxmlformats.org/presentationml/2006/main">
+  <p:cSld>
+    <p:spTree>
+      <p:nvGrpSpPr>
+        <p:cNvPr id="1" name=""/>
+        <p:cNvGrpSpPr/>
+        <p:nvPr/>
+      </p:nvGrpSpPr>
+      <p:grpSpPr>
+        <a:xfrm>
+          <a:off x="0" y="0"/>
+          <a:ext cx="0" cy="0"/>
+          <a:chOff x="0" y="0"/>
+          <a:chExt cx="0" cy="0"/>
+        </a:xfrm>
+      </p:grpSpPr>
+      <p:sp>
+        <p:nvSpPr>
+          <p:cNvPr id="2" name="Rectangle: Rounded Corners 1">
+            <a:extLst>
+              <a:ext uri="{FF2B5EF4-FFF2-40B4-BE49-F238E27FC236}">
+                <a16:creationId xmlns:a16="http://schemas.microsoft.com/office/drawing/2014/main" id="{E8161A77-A14F-4FB5-89CF-415D8AA8A3FA}"/>
+              </a:ext>
+            </a:extLst>
+          </p:cNvPr>
+          <p:cNvSpPr/>
+          <p:nvPr/>
+        </p:nvSpPr>
+        <p:spPr>
+          <a:xfrm>
+            <a:off x="2982897" y="923278"/>
+            <a:ext cx="3533313" cy="3302493"/>
+          </a:xfrm>
+          <a:prstGeom prst="roundRect">
+            <a:avLst/>
+          </a:prstGeom>
+          <a:solidFill>
+            <a:schemeClr val="bg1"/>
+          </a:solidFill>
+          <a:ln>
+            <a:solidFill>
+              <a:schemeClr val="tx1"/>
+            </a:solidFill>
+          </a:ln>
+        </p:spPr>
+        <p:style>
+          <a:lnRef idx="2">
+            <a:schemeClr val="accent1">
+              <a:shade val="50000"/>
+            </a:schemeClr>
+          </a:lnRef>
+          <a:fillRef idx="1">
+            <a:schemeClr val="accent1"/>
+          </a:fillRef>
+          <a:effectRef idx="0">
+            <a:schemeClr val="accent1"/>
+          </a:effectRef>
+          <a:fontRef idx="minor">
+            <a:schemeClr val="lt1"/>
+          </a:fontRef>
+        </p:style>
+        <p:txBody>
+          <a:bodyPr rtlCol="0" anchor="ctr"/>
+          <a:lstStyle/>
+          <a:p>
+            <a:pPr algn="ctr"/>
+            <a:endParaRPr lang="en-US" dirty="0"/>
+          </a:p>
+        </p:txBody>
+      </p:sp>
+      <p:cxnSp>
+        <p:nvCxnSpPr>
+          <p:cNvPr id="3" name="Straight Arrow Connector 2">
+            <a:extLst>
+              <a:ext uri="{FF2B5EF4-FFF2-40B4-BE49-F238E27FC236}">
+                <a16:creationId xmlns:a16="http://schemas.microsoft.com/office/drawing/2014/main" id="{F8ADCCEF-40E4-4024-B5BC-1EECBAE02426}"/>
+              </a:ext>
+            </a:extLst>
+          </p:cNvPr>
+          <p:cNvCxnSpPr>
+            <a:cxnSpLocks/>
+          </p:cNvCxnSpPr>
+          <p:nvPr/>
+        </p:nvCxnSpPr>
+        <p:spPr>
+          <a:xfrm flipV="1">
+            <a:off x="3266983" y="1056443"/>
+            <a:ext cx="0" cy="2902998"/>
+          </a:xfrm>
+          <a:prstGeom prst="straightConnector1">
+            <a:avLst/>
+          </a:prstGeom>
+          <a:ln w="38100">
+            <a:headEnd type="none" w="med" len="med"/>
+            <a:tailEnd type="arrow" w="med" len="med"/>
+          </a:ln>
+        </p:spPr>
+        <p:style>
+          <a:lnRef idx="1">
+            <a:schemeClr val="dk1"/>
+          </a:lnRef>
+          <a:fillRef idx="0">
+            <a:schemeClr val="dk1"/>
+          </a:fillRef>
+          <a:effectRef idx="0">
+            <a:schemeClr val="dk1"/>
+          </a:effectRef>
+          <a:fontRef idx="minor">
+            <a:schemeClr val="tx1"/>
+          </a:fontRef>
+        </p:style>
+      </p:cxnSp>
+      <p:cxnSp>
+        <p:nvCxnSpPr>
+          <p:cNvPr id="4" name="Straight Arrow Connector 3">
+            <a:extLst>
+              <a:ext uri="{FF2B5EF4-FFF2-40B4-BE49-F238E27FC236}">
+                <a16:creationId xmlns:a16="http://schemas.microsoft.com/office/drawing/2014/main" id="{F05DD5E0-5335-42F6-B03B-D1F6757DE33B}"/>
+              </a:ext>
+            </a:extLst>
+          </p:cNvPr>
+          <p:cNvCxnSpPr>
+            <a:cxnSpLocks/>
+          </p:cNvCxnSpPr>
+          <p:nvPr/>
+        </p:nvCxnSpPr>
+        <p:spPr>
+          <a:xfrm>
+            <a:off x="3266983" y="3959441"/>
+            <a:ext cx="3080551" cy="0"/>
+          </a:xfrm>
+          <a:prstGeom prst="straightConnector1">
+            <a:avLst/>
+          </a:prstGeom>
+          <a:ln w="38100">
+            <a:headEnd type="none" w="med" len="med"/>
+            <a:tailEnd type="arrow" w="med" len="med"/>
+          </a:ln>
+        </p:spPr>
+        <p:style>
+          <a:lnRef idx="1">
+            <a:schemeClr val="dk1"/>
+          </a:lnRef>
+          <a:fillRef idx="0">
+            <a:schemeClr val="dk1"/>
+          </a:fillRef>
+          <a:effectRef idx="0">
+            <a:schemeClr val="dk1"/>
+          </a:effectRef>
+          <a:fontRef idx="minor">
+            <a:schemeClr val="tx1"/>
+          </a:fontRef>
+        </p:style>
+      </p:cxnSp>
+      <p:sp>
+        <p:nvSpPr>
+          <p:cNvPr id="6" name="Freeform: Shape 5">
+            <a:extLst>
+              <a:ext uri="{FF2B5EF4-FFF2-40B4-BE49-F238E27FC236}">
+                <a16:creationId xmlns:a16="http://schemas.microsoft.com/office/drawing/2014/main" id="{179C69ED-A1AD-4EA5-B053-019353341BF5}"/>
+              </a:ext>
+            </a:extLst>
+          </p:cNvPr>
+          <p:cNvSpPr/>
+          <p:nvPr/>
+        </p:nvSpPr>
+        <p:spPr>
+          <a:xfrm>
+            <a:off x="3297496" y="1380477"/>
+            <a:ext cx="3019526" cy="2459115"/>
+          </a:xfrm>
+          <a:custGeom>
+            <a:avLst/>
+            <a:gdLst>
+              <a:gd name="connsiteX0" fmla="*/ 2601158 w 2601158"/>
+              <a:gd name="connsiteY0" fmla="*/ 0 h 1837678"/>
+              <a:gd name="connsiteX1" fmla="*/ 1748901 w 2601158"/>
+              <a:gd name="connsiteY1" fmla="*/ 506027 h 1837678"/>
+              <a:gd name="connsiteX2" fmla="*/ 1171853 w 2601158"/>
+              <a:gd name="connsiteY2" fmla="*/ 1233996 h 1837678"/>
+              <a:gd name="connsiteX3" fmla="*/ 825624 w 2601158"/>
+              <a:gd name="connsiteY3" fmla="*/ 1660124 h 1837678"/>
+              <a:gd name="connsiteX4" fmla="*/ 0 w 2601158"/>
+              <a:gd name="connsiteY4" fmla="*/ 1837678 h 1837678"/>
+              <a:gd name="connsiteX5" fmla="*/ 0 w 2601158"/>
+              <a:gd name="connsiteY5" fmla="*/ 1837678 h 1837678"/>
+              <a:gd name="connsiteX6" fmla="*/ 0 w 2601158"/>
+              <a:gd name="connsiteY6" fmla="*/ 1837678 h 1837678"/>
+            </a:gdLst>
+            <a:ahLst/>
+            <a:cxnLst>
+              <a:cxn ang="0">
+                <a:pos x="connsiteX0" y="connsiteY0"/>
+              </a:cxn>
+              <a:cxn ang="0">
+                <a:pos x="connsiteX1" y="connsiteY1"/>
+              </a:cxn>
+              <a:cxn ang="0">
+                <a:pos x="connsiteX2" y="connsiteY2"/>
+              </a:cxn>
+              <a:cxn ang="0">
+                <a:pos x="connsiteX3" y="connsiteY3"/>
+              </a:cxn>
+              <a:cxn ang="0">
+                <a:pos x="connsiteX4" y="connsiteY4"/>
+              </a:cxn>
+              <a:cxn ang="0">
+                <a:pos x="connsiteX5" y="connsiteY5"/>
+              </a:cxn>
+              <a:cxn ang="0">
+                <a:pos x="connsiteX6" y="connsiteY6"/>
+              </a:cxn>
+            </a:cxnLst>
+            <a:rect l="l" t="t" r="r" b="b"/>
+            <a:pathLst>
+              <a:path w="2601158" h="1837678">
+                <a:moveTo>
+                  <a:pt x="2601158" y="0"/>
+                </a:moveTo>
+                <a:cubicBezTo>
+                  <a:pt x="2294138" y="150180"/>
+                  <a:pt x="1987118" y="300361"/>
+                  <a:pt x="1748901" y="506027"/>
+                </a:cubicBezTo>
+                <a:cubicBezTo>
+                  <a:pt x="1510684" y="711693"/>
+                  <a:pt x="1325732" y="1041647"/>
+                  <a:pt x="1171853" y="1233996"/>
+                </a:cubicBezTo>
+                <a:cubicBezTo>
+                  <a:pt x="1017973" y="1426346"/>
+                  <a:pt x="1020933" y="1559510"/>
+                  <a:pt x="825624" y="1660124"/>
+                </a:cubicBezTo>
+                <a:cubicBezTo>
+                  <a:pt x="630315" y="1760738"/>
+                  <a:pt x="0" y="1837678"/>
+                  <a:pt x="0" y="1837678"/>
+                </a:cubicBezTo>
+                <a:lnTo>
+                  <a:pt x="0" y="1837678"/>
+                </a:lnTo>
+                <a:lnTo>
+                  <a:pt x="0" y="1837678"/>
+                </a:lnTo>
+              </a:path>
+            </a:pathLst>
+          </a:custGeom>
+          <a:noFill/>
+          <a:ln w="12700"/>
+        </p:spPr>
+        <p:style>
+          <a:lnRef idx="2">
+            <a:schemeClr val="accent1">
+              <a:shade val="50000"/>
+            </a:schemeClr>
+          </a:lnRef>
+          <a:fillRef idx="1">
+            <a:schemeClr val="accent1"/>
+          </a:fillRef>
+          <a:effectRef idx="0">
+            <a:schemeClr val="accent1"/>
+          </a:effectRef>
+          <a:fontRef idx="minor">
+            <a:schemeClr val="lt1"/>
+          </a:fontRef>
+        </p:style>
+        <p:txBody>
+          <a:bodyPr rtlCol="0" anchor="ctr"/>
+          <a:lstStyle/>
+          <a:p>
+            <a:pPr algn="ctr"/>
+            <a:endParaRPr lang="en-US"/>
+          </a:p>
+        </p:txBody>
+      </p:sp>
+      <p:sp>
+        <p:nvSpPr>
+          <p:cNvPr id="7" name="Freeform: Shape 6">
+            <a:extLst>
+              <a:ext uri="{FF2B5EF4-FFF2-40B4-BE49-F238E27FC236}">
+                <a16:creationId xmlns:a16="http://schemas.microsoft.com/office/drawing/2014/main" id="{A0857D68-655D-4757-A6A4-0148ED1F1B78}"/>
+              </a:ext>
+            </a:extLst>
+          </p:cNvPr>
+          <p:cNvSpPr/>
+          <p:nvPr/>
+        </p:nvSpPr>
+        <p:spPr>
+          <a:xfrm>
+            <a:off x="3359639" y="1376038"/>
+            <a:ext cx="2947387" cy="2459115"/>
+          </a:xfrm>
+          <a:custGeom>
+            <a:avLst/>
+            <a:gdLst>
+              <a:gd name="connsiteX0" fmla="*/ 2539014 w 2539014"/>
+              <a:gd name="connsiteY0" fmla="*/ 0 h 1837678"/>
+              <a:gd name="connsiteX1" fmla="*/ 1775534 w 2539014"/>
+              <a:gd name="connsiteY1" fmla="*/ 417251 h 1837678"/>
+              <a:gd name="connsiteX2" fmla="*/ 1136342 w 2539014"/>
+              <a:gd name="connsiteY2" fmla="*/ 1624614 h 1837678"/>
+              <a:gd name="connsiteX3" fmla="*/ 923278 w 2539014"/>
+              <a:gd name="connsiteY3" fmla="*/ 1740024 h 1837678"/>
+              <a:gd name="connsiteX4" fmla="*/ 0 w 2539014"/>
+              <a:gd name="connsiteY4" fmla="*/ 1837678 h 1837678"/>
+            </a:gdLst>
+            <a:ahLst/>
+            <a:cxnLst>
+              <a:cxn ang="0">
+                <a:pos x="connsiteX0" y="connsiteY0"/>
+              </a:cxn>
+              <a:cxn ang="0">
+                <a:pos x="connsiteX1" y="connsiteY1"/>
+              </a:cxn>
+              <a:cxn ang="0">
+                <a:pos x="connsiteX2" y="connsiteY2"/>
+              </a:cxn>
+              <a:cxn ang="0">
+                <a:pos x="connsiteX3" y="connsiteY3"/>
+              </a:cxn>
+              <a:cxn ang="0">
+                <a:pos x="connsiteX4" y="connsiteY4"/>
+              </a:cxn>
+            </a:cxnLst>
+            <a:rect l="l" t="t" r="r" b="b"/>
+            <a:pathLst>
+              <a:path w="2539014" h="1837678">
+                <a:moveTo>
+                  <a:pt x="2539014" y="0"/>
+                </a:moveTo>
+                <a:cubicBezTo>
+                  <a:pt x="2274163" y="73241"/>
+                  <a:pt x="2009313" y="146482"/>
+                  <a:pt x="1775534" y="417251"/>
+                </a:cubicBezTo>
+                <a:cubicBezTo>
+                  <a:pt x="1541755" y="688020"/>
+                  <a:pt x="1278385" y="1404152"/>
+                  <a:pt x="1136342" y="1624614"/>
+                </a:cubicBezTo>
+                <a:cubicBezTo>
+                  <a:pt x="994299" y="1845076"/>
+                  <a:pt x="1112668" y="1704513"/>
+                  <a:pt x="923278" y="1740024"/>
+                </a:cubicBezTo>
+                <a:cubicBezTo>
+                  <a:pt x="733888" y="1775535"/>
+                  <a:pt x="366944" y="1806606"/>
+                  <a:pt x="0" y="1837678"/>
+                </a:cubicBezTo>
+              </a:path>
+            </a:pathLst>
+          </a:custGeom>
+          <a:noFill/>
+          <a:ln>
+            <a:solidFill>
+              <a:srgbClr val="FF0000"/>
+            </a:solidFill>
+          </a:ln>
+        </p:spPr>
+        <p:style>
+          <a:lnRef idx="2">
+            <a:schemeClr val="accent1">
+              <a:shade val="50000"/>
+            </a:schemeClr>
+          </a:lnRef>
+          <a:fillRef idx="1">
+            <a:schemeClr val="accent1"/>
+          </a:fillRef>
+          <a:effectRef idx="0">
+            <a:schemeClr val="accent1"/>
+          </a:effectRef>
+          <a:fontRef idx="minor">
+            <a:schemeClr val="lt1"/>
+          </a:fontRef>
+        </p:style>
+        <p:txBody>
+          <a:bodyPr rtlCol="0" anchor="ctr"/>
+          <a:lstStyle/>
+          <a:p>
+            <a:pPr algn="ctr"/>
+            <a:endParaRPr lang="en-US"/>
+          </a:p>
+        </p:txBody>
+      </p:sp>
+      <p:sp>
+        <p:nvSpPr>
+          <p:cNvPr id="8" name="Rectangle: Rounded Corners 7">
+            <a:extLst>
+              <a:ext uri="{FF2B5EF4-FFF2-40B4-BE49-F238E27FC236}">
+                <a16:creationId xmlns:a16="http://schemas.microsoft.com/office/drawing/2014/main" id="{436E7155-D264-4534-971E-92415D578C90}"/>
+              </a:ext>
+            </a:extLst>
+          </p:cNvPr>
+          <p:cNvSpPr/>
+          <p:nvPr/>
+        </p:nvSpPr>
+        <p:spPr>
+          <a:xfrm>
+            <a:off x="3488924" y="1455937"/>
+            <a:ext cx="674703" cy="355107"/>
+          </a:xfrm>
+          <a:prstGeom prst="roundRect">
+            <a:avLst/>
+          </a:prstGeom>
+          <a:noFill/>
+          <a:ln>
+            <a:solidFill>
+              <a:schemeClr val="tx1"/>
+            </a:solidFill>
+          </a:ln>
+        </p:spPr>
+        <p:style>
+          <a:lnRef idx="2">
+            <a:schemeClr val="accent1">
+              <a:shade val="50000"/>
+            </a:schemeClr>
+          </a:lnRef>
+          <a:fillRef idx="1">
+            <a:schemeClr val="accent1"/>
+          </a:fillRef>
+          <a:effectRef idx="0">
+            <a:schemeClr val="accent1"/>
+          </a:effectRef>
+          <a:fontRef idx="minor">
+            <a:schemeClr val="lt1"/>
+          </a:fontRef>
+        </p:style>
+        <p:txBody>
+          <a:bodyPr rtlCol="0" anchor="ctr"/>
+          <a:lstStyle/>
+          <a:p>
+            <a:pPr algn="ctr"/>
+            <a:r>
+              <a:rPr lang="en-US" dirty="0">
+                <a:solidFill>
+                  <a:schemeClr val="accent1"/>
+                </a:solidFill>
+              </a:rPr>
+              <a:t>C</a:t>
+            </a:r>
+            <a:r>
+              <a:rPr lang="en-US" dirty="0">
+                <a:solidFill>
+                  <a:srgbClr val="FF0000"/>
+                </a:solidFill>
+              </a:rPr>
+              <a:t>W</a:t>
+            </a:r>
+          </a:p>
+        </p:txBody>
+      </p:sp>
+    </p:spTree>
+    <p:extLst>
+      <p:ext uri="{BB962C8B-B14F-4D97-AF65-F5344CB8AC3E}">
+        <p14:creationId xmlns:p14="http://schemas.microsoft.com/office/powerpoint/2010/main" val="340115712"/>
+      </p:ext>
+    </p:extLst>
+  </p:cSld>
+  <p:clrMapOvr>
+    <a:masterClrMapping/>
+  </p:clrMapOvr>
+</p:sld>
+</file>
+
+<file path=ppt/slides/slide5.xml><?xml version="1.0" encoding="utf-8"?>
+<p:sld xmlns:a="http://schemas.openxmlformats.org/drawingml/2006/main" xmlns:r="http://schemas.openxmlformats.org/officeDocument/2006/relationships" xmlns:p="http://schemas.openxmlformats.org/presentationml/2006/main">
+  <p:cSld>
+    <p:spTree>
+      <p:nvGrpSpPr>
+        <p:cNvPr id="1" name=""/>
+        <p:cNvGrpSpPr/>
+        <p:nvPr/>
+      </p:nvGrpSpPr>
+      <p:grpSpPr>
+        <a:xfrm>
+          <a:off x="0" y="0"/>
+          <a:ext cx="0" cy="0"/>
+          <a:chOff x="0" y="0"/>
+          <a:chExt cx="0" cy="0"/>
+        </a:xfrm>
+      </p:grpSpPr>
+      <p:sp>
+        <p:nvSpPr>
+          <p:cNvPr id="2" name="Rectangle: Rounded Corners 1">
+            <a:extLst>
+              <a:ext uri="{FF2B5EF4-FFF2-40B4-BE49-F238E27FC236}">
+                <a16:creationId xmlns:a16="http://schemas.microsoft.com/office/drawing/2014/main" id="{9F67F4FF-2C64-42DE-AF45-9C5329804905}"/>
+              </a:ext>
+            </a:extLst>
+          </p:cNvPr>
+          <p:cNvSpPr/>
+          <p:nvPr/>
+        </p:nvSpPr>
+        <p:spPr>
+          <a:xfrm>
+            <a:off x="2982897" y="923278"/>
+            <a:ext cx="3533313" cy="3302493"/>
+          </a:xfrm>
+          <a:prstGeom prst="roundRect">
+            <a:avLst/>
+          </a:prstGeom>
+          <a:solidFill>
+            <a:schemeClr val="bg1"/>
+          </a:solidFill>
+          <a:ln>
+            <a:solidFill>
+              <a:schemeClr val="tx1"/>
+            </a:solidFill>
+          </a:ln>
+        </p:spPr>
+        <p:style>
+          <a:lnRef idx="2">
+            <a:schemeClr val="accent1">
+              <a:shade val="50000"/>
+            </a:schemeClr>
+          </a:lnRef>
+          <a:fillRef idx="1">
+            <a:schemeClr val="accent1"/>
+          </a:fillRef>
+          <a:effectRef idx="0">
+            <a:schemeClr val="accent1"/>
+          </a:effectRef>
+          <a:fontRef idx="minor">
+            <a:schemeClr val="lt1"/>
+          </a:fontRef>
+        </p:style>
+        <p:txBody>
+          <a:bodyPr rtlCol="0" anchor="ctr"/>
+          <a:lstStyle/>
+          <a:p>
+            <a:pPr algn="ctr"/>
+            <a:endParaRPr lang="en-US" dirty="0"/>
+          </a:p>
+        </p:txBody>
+      </p:sp>
+      <p:pic>
+        <p:nvPicPr>
+          <p:cNvPr id="1028" name="Picture 4" descr="Magnet PNG Icon (95) - PNG Repo Free PNG Icons">
+            <a:extLst>
+              <a:ext uri="{FF2B5EF4-FFF2-40B4-BE49-F238E27FC236}">
+                <a16:creationId xmlns:a16="http://schemas.microsoft.com/office/drawing/2014/main" id="{E7C2D39D-9F0C-4ACA-83AC-46B2128B319E}"/>
+              </a:ext>
+            </a:extLst>
+          </p:cNvPr>
+          <p:cNvPicPr>
+            <a:picLocks noChangeAspect="1" noChangeArrowheads="1"/>
+          </p:cNvPicPr>
+          <p:nvPr/>
+        </p:nvPicPr>
+        <p:blipFill>
+          <a:blip r:embed="rId2">
+            <a:extLst>
+              <a:ext uri="{28A0092B-C50C-407E-A947-70E740481C1C}">
+                <a14:useLocalDpi xmlns:a14="http://schemas.microsoft.com/office/drawing/2010/main" val="0"/>
+              </a:ext>
+            </a:extLst>
+          </a:blip>
+          <a:srcRect/>
+          <a:stretch>
+            <a:fillRect/>
+          </a:stretch>
+        </p:blipFill>
+        <p:spPr bwMode="auto">
+          <a:xfrm rot="5400000">
+            <a:off x="3149883" y="1203663"/>
+            <a:ext cx="1912398" cy="1912398"/>
+          </a:xfrm>
+          <a:prstGeom prst="rect">
+            <a:avLst/>
+          </a:prstGeom>
+          <a:noFill/>
+          <a:extLst>
+            <a:ext uri="{909E8E84-426E-40DD-AFC4-6F175D3DCCD1}">
+              <a14:hiddenFill xmlns:a14="http://schemas.microsoft.com/office/drawing/2010/main">
+                <a:solidFill>
+                  <a:srgbClr val="FFFFFF"/>
+                </a:solidFill>
+              </a14:hiddenFill>
+            </a:ext>
+          </a:extLst>
+        </p:spPr>
+      </p:pic>
+      <p:pic>
+        <p:nvPicPr>
+          <p:cNvPr id="1032" name="Picture 8" descr="Electric Resister Icons - Download Free Vector Icons | Noun Project">
+            <a:extLst>
+              <a:ext uri="{FF2B5EF4-FFF2-40B4-BE49-F238E27FC236}">
+                <a16:creationId xmlns:a16="http://schemas.microsoft.com/office/drawing/2014/main" id="{FDD44B90-42B7-4ECA-8465-A1832581F40A}"/>
+              </a:ext>
+            </a:extLst>
+          </p:cNvPr>
+          <p:cNvPicPr>
+            <a:picLocks noChangeAspect="1" noChangeArrowheads="1"/>
+          </p:cNvPicPr>
+          <p:nvPr/>
+        </p:nvPicPr>
+        <p:blipFill rotWithShape="1">
+          <a:blip r:embed="rId3">
+            <a:extLst>
+              <a:ext uri="{28A0092B-C50C-407E-A947-70E740481C1C}">
+                <a14:useLocalDpi xmlns:a14="http://schemas.microsoft.com/office/drawing/2010/main" val="0"/>
+              </a:ext>
+            </a:extLst>
+          </a:blip>
+          <a:srcRect l="15497" t="31088" r="11804" b="31864"/>
+          <a:stretch/>
+        </p:blipFill>
+        <p:spPr bwMode="auto">
+          <a:xfrm>
+            <a:off x="4421078" y="2805343"/>
+            <a:ext cx="1977206" cy="1007619"/>
+          </a:xfrm>
+          <a:prstGeom prst="rect">
+            <a:avLst/>
+          </a:prstGeom>
+          <a:noFill/>
+          <a:extLst>
+            <a:ext uri="{909E8E84-426E-40DD-AFC4-6F175D3DCCD1}">
+              <a14:hiddenFill xmlns:a14="http://schemas.microsoft.com/office/drawing/2010/main">
+                <a:solidFill>
+                  <a:srgbClr val="FFFFFF"/>
+                </a:solidFill>
+              </a14:hiddenFill>
+            </a:ext>
+          </a:extLst>
+        </p:spPr>
+      </p:pic>
+    </p:spTree>
+    <p:extLst>
+      <p:ext uri="{BB962C8B-B14F-4D97-AF65-F5344CB8AC3E}">
+        <p14:creationId xmlns:p14="http://schemas.microsoft.com/office/powerpoint/2010/main" val="1701148866"/>
+      </p:ext>
+    </p:extLst>
+  </p:cSld>
+  <p:clrMapOvr>
+    <a:masterClrMapping/>
+  </p:clrMapOvr>
+</p:sld>
+</file>
+
+<file path=ppt/slides/slide6.xml><?xml version="1.0" encoding="utf-8"?>
+<p:sld xmlns:a="http://schemas.openxmlformats.org/drawingml/2006/main" xmlns:r="http://schemas.openxmlformats.org/officeDocument/2006/relationships" xmlns:p="http://schemas.openxmlformats.org/presentationml/2006/main">
+  <p:cSld>
+    <p:spTree>
+      <p:nvGrpSpPr>
+        <p:cNvPr id="1" name=""/>
+        <p:cNvGrpSpPr/>
+        <p:nvPr/>
+      </p:nvGrpSpPr>
+      <p:grpSpPr>
+        <a:xfrm>
+          <a:off x="0" y="0"/>
+          <a:ext cx="0" cy="0"/>
+          <a:chOff x="0" y="0"/>
+          <a:chExt cx="0" cy="0"/>
+        </a:xfrm>
+      </p:grpSpPr>
+      <p:sp>
+        <p:nvSpPr>
+          <p:cNvPr id="2" name="Rectangle: Rounded Corners 1">
+            <a:extLst>
+              <a:ext uri="{FF2B5EF4-FFF2-40B4-BE49-F238E27FC236}">
+                <a16:creationId xmlns:a16="http://schemas.microsoft.com/office/drawing/2014/main" id="{AB6435A0-E56E-469D-9DEB-C41001D2D15C}"/>
+              </a:ext>
+            </a:extLst>
+          </p:cNvPr>
+          <p:cNvSpPr/>
+          <p:nvPr/>
+        </p:nvSpPr>
+        <p:spPr>
+          <a:xfrm>
+            <a:off x="2982897" y="923278"/>
+            <a:ext cx="3533313" cy="3302493"/>
+          </a:xfrm>
+          <a:prstGeom prst="roundRect">
+            <a:avLst/>
+          </a:prstGeom>
+          <a:solidFill>
+            <a:schemeClr val="bg1"/>
+          </a:solidFill>
+          <a:ln>
+            <a:solidFill>
+              <a:schemeClr val="tx1"/>
+            </a:solidFill>
+          </a:ln>
+        </p:spPr>
+        <p:style>
+          <a:lnRef idx="2">
+            <a:schemeClr val="accent1">
+              <a:shade val="50000"/>
+            </a:schemeClr>
+          </a:lnRef>
+          <a:fillRef idx="1">
+            <a:schemeClr val="accent1"/>
+          </a:fillRef>
+          <a:effectRef idx="0">
+            <a:schemeClr val="accent1"/>
+          </a:effectRef>
+          <a:fontRef idx="minor">
+            <a:schemeClr val="lt1"/>
+          </a:fontRef>
+        </p:style>
+        <p:txBody>
+          <a:bodyPr rtlCol="0" anchor="ctr"/>
+          <a:lstStyle/>
+          <a:p>
+            <a:pPr algn="ctr"/>
+            <a:endParaRPr lang="en-US" dirty="0"/>
+          </a:p>
+        </p:txBody>
+      </p:sp>
+    </p:spTree>
+    <p:extLst>
+      <p:ext uri="{BB962C8B-B14F-4D97-AF65-F5344CB8AC3E}">
+        <p14:creationId xmlns:p14="http://schemas.microsoft.com/office/powerpoint/2010/main" val="1679497534"/>
       </p:ext>
     </p:extLst>
   </p:cSld>

--- a/PPMV_v1/icon_maker.pptx
+++ b/PPMV_v1/icon_maker.pptx
@@ -11,6 +11,7 @@
     <p:sldId id="259" r:id="rId5"/>
     <p:sldId id="260" r:id="rId6"/>
     <p:sldId id="261" r:id="rId7"/>
+    <p:sldId id="262" r:id="rId8"/>
   </p:sldIdLst>
   <p:sldSz cx="12192000" cy="6858000"/>
   <p:notesSz cx="6858000" cy="9144000"/>
@@ -264,7 +265,7 @@
           <a:p>
             <a:fld id="{0E4DBCDE-CD68-4BE3-9A6E-D648DEC77DF0}" type="datetimeFigureOut">
               <a:rPr lang="en-US" smtClean="0"/>
-              <a:t>7/11/2020</a:t>
+              <a:t>7/12/2020</a:t>
             </a:fld>
             <a:endParaRPr lang="en-US"/>
           </a:p>
@@ -462,7 +463,7 @@
           <a:p>
             <a:fld id="{0E4DBCDE-CD68-4BE3-9A6E-D648DEC77DF0}" type="datetimeFigureOut">
               <a:rPr lang="en-US" smtClean="0"/>
-              <a:t>7/11/2020</a:t>
+              <a:t>7/12/2020</a:t>
             </a:fld>
             <a:endParaRPr lang="en-US"/>
           </a:p>
@@ -670,7 +671,7 @@
           <a:p>
             <a:fld id="{0E4DBCDE-CD68-4BE3-9A6E-D648DEC77DF0}" type="datetimeFigureOut">
               <a:rPr lang="en-US" smtClean="0"/>
-              <a:t>7/11/2020</a:t>
+              <a:t>7/12/2020</a:t>
             </a:fld>
             <a:endParaRPr lang="en-US"/>
           </a:p>
@@ -868,7 +869,7 @@
           <a:p>
             <a:fld id="{0E4DBCDE-CD68-4BE3-9A6E-D648DEC77DF0}" type="datetimeFigureOut">
               <a:rPr lang="en-US" smtClean="0"/>
-              <a:t>7/11/2020</a:t>
+              <a:t>7/12/2020</a:t>
             </a:fld>
             <a:endParaRPr lang="en-US"/>
           </a:p>
@@ -1143,7 +1144,7 @@
           <a:p>
             <a:fld id="{0E4DBCDE-CD68-4BE3-9A6E-D648DEC77DF0}" type="datetimeFigureOut">
               <a:rPr lang="en-US" smtClean="0"/>
-              <a:t>7/11/2020</a:t>
+              <a:t>7/12/2020</a:t>
             </a:fld>
             <a:endParaRPr lang="en-US"/>
           </a:p>
@@ -1408,7 +1409,7 @@
           <a:p>
             <a:fld id="{0E4DBCDE-CD68-4BE3-9A6E-D648DEC77DF0}" type="datetimeFigureOut">
               <a:rPr lang="en-US" smtClean="0"/>
-              <a:t>7/11/2020</a:t>
+              <a:t>7/12/2020</a:t>
             </a:fld>
             <a:endParaRPr lang="en-US"/>
           </a:p>
@@ -1820,7 +1821,7 @@
           <a:p>
             <a:fld id="{0E4DBCDE-CD68-4BE3-9A6E-D648DEC77DF0}" type="datetimeFigureOut">
               <a:rPr lang="en-US" smtClean="0"/>
-              <a:t>7/11/2020</a:t>
+              <a:t>7/12/2020</a:t>
             </a:fld>
             <a:endParaRPr lang="en-US"/>
           </a:p>
@@ -1961,7 +1962,7 @@
           <a:p>
             <a:fld id="{0E4DBCDE-CD68-4BE3-9A6E-D648DEC77DF0}" type="datetimeFigureOut">
               <a:rPr lang="en-US" smtClean="0"/>
-              <a:t>7/11/2020</a:t>
+              <a:t>7/12/2020</a:t>
             </a:fld>
             <a:endParaRPr lang="en-US"/>
           </a:p>
@@ -2074,7 +2075,7 @@
           <a:p>
             <a:fld id="{0E4DBCDE-CD68-4BE3-9A6E-D648DEC77DF0}" type="datetimeFigureOut">
               <a:rPr lang="en-US" smtClean="0"/>
-              <a:t>7/11/2020</a:t>
+              <a:t>7/12/2020</a:t>
             </a:fld>
             <a:endParaRPr lang="en-US"/>
           </a:p>
@@ -2385,7 +2386,7 @@
           <a:p>
             <a:fld id="{0E4DBCDE-CD68-4BE3-9A6E-D648DEC77DF0}" type="datetimeFigureOut">
               <a:rPr lang="en-US" smtClean="0"/>
-              <a:t>7/11/2020</a:t>
+              <a:t>7/12/2020</a:t>
             </a:fld>
             <a:endParaRPr lang="en-US"/>
           </a:p>
@@ -2673,7 +2674,7 @@
           <a:p>
             <a:fld id="{0E4DBCDE-CD68-4BE3-9A6E-D648DEC77DF0}" type="datetimeFigureOut">
               <a:rPr lang="en-US" smtClean="0"/>
-              <a:t>7/11/2020</a:t>
+              <a:t>7/12/2020</a:t>
             </a:fld>
             <a:endParaRPr lang="en-US"/>
           </a:p>
@@ -2914,7 +2915,7 @@
           <a:p>
             <a:fld id="{0E4DBCDE-CD68-4BE3-9A6E-D648DEC77DF0}" type="datetimeFigureOut">
               <a:rPr lang="en-US" smtClean="0"/>
-              <a:t>7/11/2020</a:t>
+              <a:t>7/12/2020</a:t>
             </a:fld>
             <a:endParaRPr lang="en-US"/>
           </a:p>
@@ -3568,6 +3569,66 @@
           </a:p>
         </p:txBody>
       </p:sp>
+      <p:pic>
+        <p:nvPicPr>
+          <p:cNvPr id="5" name="Picture 4">
+            <a:extLst>
+              <a:ext uri="{FF2B5EF4-FFF2-40B4-BE49-F238E27FC236}">
+                <a16:creationId xmlns:a16="http://schemas.microsoft.com/office/drawing/2014/main" id="{675F3BDA-7BED-4AD3-8742-7E6FF627DC9B}"/>
+              </a:ext>
+            </a:extLst>
+          </p:cNvPr>
+          <p:cNvPicPr>
+            <a:picLocks noChangeAspect="1"/>
+          </p:cNvPicPr>
+          <p:nvPr/>
+        </p:nvPicPr>
+        <p:blipFill>
+          <a:blip r:embed="rId7"/>
+          <a:stretch>
+            <a:fillRect/>
+          </a:stretch>
+        </p:blipFill>
+        <p:spPr>
+          <a:xfrm>
+            <a:off x="5930073" y="1198448"/>
+            <a:ext cx="594036" cy="555250"/>
+          </a:xfrm>
+          <a:prstGeom prst="rect">
+            <a:avLst/>
+          </a:prstGeom>
+        </p:spPr>
+      </p:pic>
+      <p:pic>
+        <p:nvPicPr>
+          <p:cNvPr id="6" name="Picture 5">
+            <a:extLst>
+              <a:ext uri="{FF2B5EF4-FFF2-40B4-BE49-F238E27FC236}">
+                <a16:creationId xmlns:a16="http://schemas.microsoft.com/office/drawing/2014/main" id="{DAF185ED-B003-49F0-BE5F-14CBC7E0AA3E}"/>
+              </a:ext>
+            </a:extLst>
+          </p:cNvPr>
+          <p:cNvPicPr>
+            <a:picLocks noChangeAspect="1"/>
+          </p:cNvPicPr>
+          <p:nvPr/>
+        </p:nvPicPr>
+        <p:blipFill>
+          <a:blip r:embed="rId8"/>
+          <a:stretch>
+            <a:fillRect/>
+          </a:stretch>
+        </p:blipFill>
+        <p:spPr>
+          <a:xfrm>
+            <a:off x="6848423" y="1198447"/>
+            <a:ext cx="594035" cy="559332"/>
+          </a:xfrm>
+          <a:prstGeom prst="rect">
+            <a:avLst/>
+          </a:prstGeom>
+        </p:spPr>
+      </p:pic>
     </p:spTree>
     <p:extLst>
       <p:ext uri="{BB962C8B-B14F-4D97-AF65-F5344CB8AC3E}">
@@ -4263,7 +4324,7 @@
             </a:pathLst>
           </a:custGeom>
           <a:noFill/>
-          <a:ln w="12700"/>
+          <a:ln w="28575"/>
         </p:spPr>
         <p:style>
           <a:lnRef idx="2">
@@ -4304,7 +4365,7 @@
         </p:nvSpPr>
         <p:spPr>
           <a:xfrm>
-            <a:off x="3359639" y="1376038"/>
+            <a:off x="3333564" y="1380476"/>
             <a:ext cx="2947387" cy="2459115"/>
           </a:xfrm>
           <a:custGeom>
@@ -4369,7 +4430,7 @@
             </a:pathLst>
           </a:custGeom>
           <a:noFill/>
-          <a:ln>
+          <a:ln w="28575">
             <a:solidFill>
               <a:srgbClr val="FF0000"/>
             </a:solidFill>
@@ -4415,13 +4476,13 @@
         <p:spPr>
           <a:xfrm>
             <a:off x="3488924" y="1455937"/>
-            <a:ext cx="674703" cy="355107"/>
+            <a:ext cx="1189608" cy="532661"/>
           </a:xfrm>
           <a:prstGeom prst="roundRect">
             <a:avLst/>
           </a:prstGeom>
           <a:noFill/>
-          <a:ln>
+          <a:ln w="38100">
             <a:solidFill>
               <a:schemeClr val="tx1"/>
             </a:solidFill>
@@ -4449,7 +4510,7 @@
           <a:p>
             <a:pPr algn="ctr"/>
             <a:r>
-              <a:rPr lang="en-US" dirty="0">
+              <a:rPr lang="en-US" sz="2500" dirty="0">
                 <a:solidFill>
                   <a:schemeClr val="accent1"/>
                 </a:solidFill>
@@ -4457,7 +4518,7 @@
               <a:t>C</a:t>
             </a:r>
             <a:r>
-              <a:rPr lang="en-US" dirty="0">
+              <a:rPr lang="en-US" sz="2500" dirty="0">
                 <a:solidFill>
                   <a:srgbClr val="FF0000"/>
                 </a:solidFill>
@@ -4731,6 +4792,269 @@
     <p:extLst>
       <p:ext uri="{BB962C8B-B14F-4D97-AF65-F5344CB8AC3E}">
         <p14:creationId xmlns:p14="http://schemas.microsoft.com/office/powerpoint/2010/main" val="1679497534"/>
+      </p:ext>
+    </p:extLst>
+  </p:cSld>
+  <p:clrMapOvr>
+    <a:masterClrMapping/>
+  </p:clrMapOvr>
+</p:sld>
+</file>
+
+<file path=ppt/slides/slide7.xml><?xml version="1.0" encoding="utf-8"?>
+<p:sld xmlns:a="http://schemas.openxmlformats.org/drawingml/2006/main" xmlns:r="http://schemas.openxmlformats.org/officeDocument/2006/relationships" xmlns:p="http://schemas.openxmlformats.org/presentationml/2006/main">
+  <p:cSld>
+    <p:spTree>
+      <p:nvGrpSpPr>
+        <p:cNvPr id="1" name=""/>
+        <p:cNvGrpSpPr/>
+        <p:nvPr/>
+      </p:nvGrpSpPr>
+      <p:grpSpPr>
+        <a:xfrm>
+          <a:off x="0" y="0"/>
+          <a:ext cx="0" cy="0"/>
+          <a:chOff x="0" y="0"/>
+          <a:chExt cx="0" cy="0"/>
+        </a:xfrm>
+      </p:grpSpPr>
+      <p:sp>
+        <p:nvSpPr>
+          <p:cNvPr id="2" name="Rectangle: Rounded Corners 1">
+            <a:extLst>
+              <a:ext uri="{FF2B5EF4-FFF2-40B4-BE49-F238E27FC236}">
+                <a16:creationId xmlns:a16="http://schemas.microsoft.com/office/drawing/2014/main" id="{247CF7E3-9EB7-4D23-83D7-4B0A8BFA6D11}"/>
+              </a:ext>
+            </a:extLst>
+          </p:cNvPr>
+          <p:cNvSpPr/>
+          <p:nvPr/>
+        </p:nvSpPr>
+        <p:spPr>
+          <a:xfrm>
+            <a:off x="2982897" y="923278"/>
+            <a:ext cx="3533313" cy="3302493"/>
+          </a:xfrm>
+          <a:prstGeom prst="roundRect">
+            <a:avLst/>
+          </a:prstGeom>
+          <a:solidFill>
+            <a:schemeClr val="bg1"/>
+          </a:solidFill>
+          <a:ln>
+            <a:solidFill>
+              <a:schemeClr val="tx1"/>
+            </a:solidFill>
+          </a:ln>
+        </p:spPr>
+        <p:style>
+          <a:lnRef idx="2">
+            <a:schemeClr val="accent1">
+              <a:shade val="50000"/>
+            </a:schemeClr>
+          </a:lnRef>
+          <a:fillRef idx="1">
+            <a:schemeClr val="accent1"/>
+          </a:fillRef>
+          <a:effectRef idx="0">
+            <a:schemeClr val="accent1"/>
+          </a:effectRef>
+          <a:fontRef idx="minor">
+            <a:schemeClr val="lt1"/>
+          </a:fontRef>
+        </p:style>
+        <p:txBody>
+          <a:bodyPr rtlCol="0" anchor="ctr"/>
+          <a:lstStyle/>
+          <a:p>
+            <a:pPr algn="ctr"/>
+            <a:endParaRPr lang="en-US" dirty="0"/>
+          </a:p>
+        </p:txBody>
+      </p:sp>
+      <p:pic>
+        <p:nvPicPr>
+          <p:cNvPr id="1026" name="Picture 2" descr="Magnetic Field Icons - Download Free Vector Icons | Noun Project">
+            <a:extLst>
+              <a:ext uri="{FF2B5EF4-FFF2-40B4-BE49-F238E27FC236}">
+                <a16:creationId xmlns:a16="http://schemas.microsoft.com/office/drawing/2014/main" id="{1D20526A-B6C8-4270-9BE7-F357628CB0F9}"/>
+              </a:ext>
+            </a:extLst>
+          </p:cNvPr>
+          <p:cNvPicPr>
+            <a:picLocks noChangeAspect="1" noChangeArrowheads="1"/>
+          </p:cNvPicPr>
+          <p:nvPr/>
+        </p:nvPicPr>
+        <p:blipFill>
+          <a:blip r:embed="rId2">
+            <a:extLst>
+              <a:ext uri="{28A0092B-C50C-407E-A947-70E740481C1C}">
+                <a14:useLocalDpi xmlns:a14="http://schemas.microsoft.com/office/drawing/2010/main" val="0"/>
+              </a:ext>
+            </a:extLst>
+          </a:blip>
+          <a:srcRect/>
+          <a:stretch>
+            <a:fillRect/>
+          </a:stretch>
+        </p:blipFill>
+        <p:spPr bwMode="auto">
+          <a:xfrm rot="5400000">
+            <a:off x="3525212" y="1095728"/>
+            <a:ext cx="2448681" cy="2448681"/>
+          </a:xfrm>
+          <a:prstGeom prst="rect">
+            <a:avLst/>
+          </a:prstGeom>
+          <a:noFill/>
+          <a:extLst>
+            <a:ext uri="{909E8E84-426E-40DD-AFC4-6F175D3DCCD1}">
+              <a14:hiddenFill xmlns:a14="http://schemas.microsoft.com/office/drawing/2010/main">
+                <a:solidFill>
+                  <a:srgbClr val="FFFFFF"/>
+                </a:solidFill>
+              </a14:hiddenFill>
+            </a:ext>
+          </a:extLst>
+        </p:spPr>
+      </p:pic>
+      <p:sp>
+        <p:nvSpPr>
+          <p:cNvPr id="4" name="Circle: Hollow 3">
+            <a:extLst>
+              <a:ext uri="{FF2B5EF4-FFF2-40B4-BE49-F238E27FC236}">
+                <a16:creationId xmlns:a16="http://schemas.microsoft.com/office/drawing/2014/main" id="{61A75C1E-A02A-4E9B-8E28-DD78436ED473}"/>
+              </a:ext>
+            </a:extLst>
+          </p:cNvPr>
+          <p:cNvSpPr/>
+          <p:nvPr/>
+        </p:nvSpPr>
+        <p:spPr>
+          <a:xfrm rot="10800000">
+            <a:off x="3253372" y="3009706"/>
+            <a:ext cx="2992362" cy="647648"/>
+          </a:xfrm>
+          <a:prstGeom prst="donut">
+            <a:avLst>
+              <a:gd name="adj" fmla="val 10592"/>
+            </a:avLst>
+          </a:prstGeom>
+        </p:spPr>
+        <p:style>
+          <a:lnRef idx="2">
+            <a:schemeClr val="accent1">
+              <a:shade val="50000"/>
+            </a:schemeClr>
+          </a:lnRef>
+          <a:fillRef idx="1">
+            <a:schemeClr val="accent1"/>
+          </a:fillRef>
+          <a:effectRef idx="0">
+            <a:schemeClr val="accent1"/>
+          </a:effectRef>
+          <a:fontRef idx="minor">
+            <a:schemeClr val="lt1"/>
+          </a:fontRef>
+        </p:style>
+        <p:txBody>
+          <a:bodyPr rtlCol="0" anchor="ctr"/>
+          <a:lstStyle/>
+          <a:p>
+            <a:pPr algn="ctr"/>
+            <a:endParaRPr lang="en-US">
+              <a:solidFill>
+                <a:schemeClr val="tx1"/>
+              </a:solidFill>
+            </a:endParaRPr>
+          </a:p>
+        </p:txBody>
+      </p:sp>
+      <p:cxnSp>
+        <p:nvCxnSpPr>
+          <p:cNvPr id="6" name="Straight Connector 5">
+            <a:extLst>
+              <a:ext uri="{FF2B5EF4-FFF2-40B4-BE49-F238E27FC236}">
+                <a16:creationId xmlns:a16="http://schemas.microsoft.com/office/drawing/2014/main" id="{433B4F17-6708-4230-BCBB-06AC669B781A}"/>
+              </a:ext>
+            </a:extLst>
+          </p:cNvPr>
+          <p:cNvCxnSpPr>
+            <a:cxnSpLocks/>
+            <a:stCxn id="4" idx="6"/>
+          </p:cNvCxnSpPr>
+          <p:nvPr/>
+        </p:nvCxnSpPr>
+        <p:spPr>
+          <a:xfrm>
+            <a:off x="3253372" y="3333530"/>
+            <a:ext cx="0" cy="492746"/>
+          </a:xfrm>
+          <a:prstGeom prst="line">
+            <a:avLst/>
+          </a:prstGeom>
+          <a:ln w="28575"/>
+        </p:spPr>
+        <p:style>
+          <a:lnRef idx="1">
+            <a:schemeClr val="accent1"/>
+          </a:lnRef>
+          <a:fillRef idx="0">
+            <a:schemeClr val="accent1"/>
+          </a:fillRef>
+          <a:effectRef idx="0">
+            <a:schemeClr val="accent1"/>
+          </a:effectRef>
+          <a:fontRef idx="minor">
+            <a:schemeClr val="tx1"/>
+          </a:fontRef>
+        </p:style>
+      </p:cxnSp>
+      <p:cxnSp>
+        <p:nvCxnSpPr>
+          <p:cNvPr id="9" name="Straight Connector 8">
+            <a:extLst>
+              <a:ext uri="{FF2B5EF4-FFF2-40B4-BE49-F238E27FC236}">
+                <a16:creationId xmlns:a16="http://schemas.microsoft.com/office/drawing/2014/main" id="{196CA722-26FA-468E-9366-046CDDE54896}"/>
+              </a:ext>
+            </a:extLst>
+          </p:cNvPr>
+          <p:cNvCxnSpPr>
+            <a:cxnSpLocks/>
+            <a:stCxn id="4" idx="2"/>
+          </p:cNvCxnSpPr>
+          <p:nvPr/>
+        </p:nvCxnSpPr>
+        <p:spPr>
+          <a:xfrm>
+            <a:off x="6245734" y="3333530"/>
+            <a:ext cx="0" cy="510273"/>
+          </a:xfrm>
+          <a:prstGeom prst="line">
+            <a:avLst/>
+          </a:prstGeom>
+          <a:ln w="28575"/>
+        </p:spPr>
+        <p:style>
+          <a:lnRef idx="1">
+            <a:schemeClr val="accent1"/>
+          </a:lnRef>
+          <a:fillRef idx="0">
+            <a:schemeClr val="accent1"/>
+          </a:fillRef>
+          <a:effectRef idx="0">
+            <a:schemeClr val="accent1"/>
+          </a:effectRef>
+          <a:fontRef idx="minor">
+            <a:schemeClr val="tx1"/>
+          </a:fontRef>
+        </p:style>
+      </p:cxnSp>
+    </p:spTree>
+    <p:extLst>
+      <p:ext uri="{BB962C8B-B14F-4D97-AF65-F5344CB8AC3E}">
+        <p14:creationId xmlns:p14="http://schemas.microsoft.com/office/powerpoint/2010/main" val="3656111400"/>
       </p:ext>
     </p:extLst>
   </p:cSld>

--- a/PPMV_v1/icon_maker.pptx
+++ b/PPMV_v1/icon_maker.pptx
@@ -6,12 +6,14 @@
   </p:sldMasterIdLst>
   <p:sldIdLst>
     <p:sldId id="256" r:id="rId2"/>
-    <p:sldId id="257" r:id="rId3"/>
-    <p:sldId id="258" r:id="rId4"/>
-    <p:sldId id="259" r:id="rId5"/>
-    <p:sldId id="260" r:id="rId6"/>
-    <p:sldId id="261" r:id="rId7"/>
-    <p:sldId id="262" r:id="rId8"/>
+    <p:sldId id="261" r:id="rId3"/>
+    <p:sldId id="264" r:id="rId4"/>
+    <p:sldId id="257" r:id="rId5"/>
+    <p:sldId id="258" r:id="rId6"/>
+    <p:sldId id="259" r:id="rId7"/>
+    <p:sldId id="260" r:id="rId8"/>
+    <p:sldId id="263" r:id="rId9"/>
+    <p:sldId id="262" r:id="rId10"/>
   </p:sldIdLst>
   <p:sldSz cx="12192000" cy="6858000"/>
   <p:notesSz cx="6858000" cy="9144000"/>
@@ -265,7 +267,7 @@
           <a:p>
             <a:fld id="{0E4DBCDE-CD68-4BE3-9A6E-D648DEC77DF0}" type="datetimeFigureOut">
               <a:rPr lang="en-US" smtClean="0"/>
-              <a:t>7/12/2020</a:t>
+              <a:t>9/24/2020</a:t>
             </a:fld>
             <a:endParaRPr lang="en-US"/>
           </a:p>
@@ -463,7 +465,7 @@
           <a:p>
             <a:fld id="{0E4DBCDE-CD68-4BE3-9A6E-D648DEC77DF0}" type="datetimeFigureOut">
               <a:rPr lang="en-US" smtClean="0"/>
-              <a:t>7/12/2020</a:t>
+              <a:t>9/24/2020</a:t>
             </a:fld>
             <a:endParaRPr lang="en-US"/>
           </a:p>
@@ -671,7 +673,7 @@
           <a:p>
             <a:fld id="{0E4DBCDE-CD68-4BE3-9A6E-D648DEC77DF0}" type="datetimeFigureOut">
               <a:rPr lang="en-US" smtClean="0"/>
-              <a:t>7/12/2020</a:t>
+              <a:t>9/24/2020</a:t>
             </a:fld>
             <a:endParaRPr lang="en-US"/>
           </a:p>
@@ -869,7 +871,7 @@
           <a:p>
             <a:fld id="{0E4DBCDE-CD68-4BE3-9A6E-D648DEC77DF0}" type="datetimeFigureOut">
               <a:rPr lang="en-US" smtClean="0"/>
-              <a:t>7/12/2020</a:t>
+              <a:t>9/24/2020</a:t>
             </a:fld>
             <a:endParaRPr lang="en-US"/>
           </a:p>
@@ -1144,7 +1146,7 @@
           <a:p>
             <a:fld id="{0E4DBCDE-CD68-4BE3-9A6E-D648DEC77DF0}" type="datetimeFigureOut">
               <a:rPr lang="en-US" smtClean="0"/>
-              <a:t>7/12/2020</a:t>
+              <a:t>9/24/2020</a:t>
             </a:fld>
             <a:endParaRPr lang="en-US"/>
           </a:p>
@@ -1409,7 +1411,7 @@
           <a:p>
             <a:fld id="{0E4DBCDE-CD68-4BE3-9A6E-D648DEC77DF0}" type="datetimeFigureOut">
               <a:rPr lang="en-US" smtClean="0"/>
-              <a:t>7/12/2020</a:t>
+              <a:t>9/24/2020</a:t>
             </a:fld>
             <a:endParaRPr lang="en-US"/>
           </a:p>
@@ -1821,7 +1823,7 @@
           <a:p>
             <a:fld id="{0E4DBCDE-CD68-4BE3-9A6E-D648DEC77DF0}" type="datetimeFigureOut">
               <a:rPr lang="en-US" smtClean="0"/>
-              <a:t>7/12/2020</a:t>
+              <a:t>9/24/2020</a:t>
             </a:fld>
             <a:endParaRPr lang="en-US"/>
           </a:p>
@@ -1962,7 +1964,7 @@
           <a:p>
             <a:fld id="{0E4DBCDE-CD68-4BE3-9A6E-D648DEC77DF0}" type="datetimeFigureOut">
               <a:rPr lang="en-US" smtClean="0"/>
-              <a:t>7/12/2020</a:t>
+              <a:t>9/24/2020</a:t>
             </a:fld>
             <a:endParaRPr lang="en-US"/>
           </a:p>
@@ -2075,7 +2077,7 @@
           <a:p>
             <a:fld id="{0E4DBCDE-CD68-4BE3-9A6E-D648DEC77DF0}" type="datetimeFigureOut">
               <a:rPr lang="en-US" smtClean="0"/>
-              <a:t>7/12/2020</a:t>
+              <a:t>9/24/2020</a:t>
             </a:fld>
             <a:endParaRPr lang="en-US"/>
           </a:p>
@@ -2386,7 +2388,7 @@
           <a:p>
             <a:fld id="{0E4DBCDE-CD68-4BE3-9A6E-D648DEC77DF0}" type="datetimeFigureOut">
               <a:rPr lang="en-US" smtClean="0"/>
-              <a:t>7/12/2020</a:t>
+              <a:t>9/24/2020</a:t>
             </a:fld>
             <a:endParaRPr lang="en-US"/>
           </a:p>
@@ -2674,7 +2676,7 @@
           <a:p>
             <a:fld id="{0E4DBCDE-CD68-4BE3-9A6E-D648DEC77DF0}" type="datetimeFigureOut">
               <a:rPr lang="en-US" smtClean="0"/>
-              <a:t>7/12/2020</a:t>
+              <a:t>9/24/2020</a:t>
             </a:fld>
             <a:endParaRPr lang="en-US"/>
           </a:p>
@@ -2915,7 +2917,7 @@
           <a:p>
             <a:fld id="{0E4DBCDE-CD68-4BE3-9A6E-D648DEC77DF0}" type="datetimeFigureOut">
               <a:rPr lang="en-US" smtClean="0"/>
-              <a:t>7/12/2020</a:t>
+              <a:t>9/24/2020</a:t>
             </a:fld>
             <a:endParaRPr lang="en-US"/>
           </a:p>
@@ -3629,6 +3631,66 @@
           </a:prstGeom>
         </p:spPr>
       </p:pic>
+      <p:pic>
+        <p:nvPicPr>
+          <p:cNvPr id="8" name="Picture 7">
+            <a:extLst>
+              <a:ext uri="{FF2B5EF4-FFF2-40B4-BE49-F238E27FC236}">
+                <a16:creationId xmlns:a16="http://schemas.microsoft.com/office/drawing/2014/main" id="{0CCDA044-D742-4FE6-AB5D-EA4F1A91B3A0}"/>
+              </a:ext>
+            </a:extLst>
+          </p:cNvPr>
+          <p:cNvPicPr>
+            <a:picLocks noChangeAspect="1"/>
+          </p:cNvPicPr>
+          <p:nvPr/>
+        </p:nvPicPr>
+        <p:blipFill>
+          <a:blip r:embed="rId9"/>
+          <a:stretch>
+            <a:fillRect/>
+          </a:stretch>
+        </p:blipFill>
+        <p:spPr>
+          <a:xfrm>
+            <a:off x="7636360" y="1198447"/>
+            <a:ext cx="589699" cy="555249"/>
+          </a:xfrm>
+          <a:prstGeom prst="rect">
+            <a:avLst/>
+          </a:prstGeom>
+        </p:spPr>
+      </p:pic>
+      <p:pic>
+        <p:nvPicPr>
+          <p:cNvPr id="10" name="Picture 9">
+            <a:extLst>
+              <a:ext uri="{FF2B5EF4-FFF2-40B4-BE49-F238E27FC236}">
+                <a16:creationId xmlns:a16="http://schemas.microsoft.com/office/drawing/2014/main" id="{0E03591B-844D-4074-ADA1-75F58C9CB20C}"/>
+              </a:ext>
+            </a:extLst>
+          </p:cNvPr>
+          <p:cNvPicPr>
+            <a:picLocks noChangeAspect="1"/>
+          </p:cNvPicPr>
+          <p:nvPr/>
+        </p:nvPicPr>
+        <p:blipFill>
+          <a:blip r:embed="rId10"/>
+          <a:stretch>
+            <a:fillRect/>
+          </a:stretch>
+        </p:blipFill>
+        <p:spPr>
+          <a:xfrm>
+            <a:off x="8459211" y="1198448"/>
+            <a:ext cx="589699" cy="551196"/>
+          </a:xfrm>
+          <a:prstGeom prst="rect">
+            <a:avLst/>
+          </a:prstGeom>
+        </p:spPr>
+      </p:pic>
     </p:spTree>
     <p:extLst>
       <p:ext uri="{BB962C8B-B14F-4D97-AF65-F5344CB8AC3E}">
@@ -3643,6 +3705,239 @@
 </file>
 
 <file path=ppt/slides/slide2.xml><?xml version="1.0" encoding="utf-8"?>
+<p:sld xmlns:a="http://schemas.openxmlformats.org/drawingml/2006/main" xmlns:r="http://schemas.openxmlformats.org/officeDocument/2006/relationships" xmlns:p="http://schemas.openxmlformats.org/presentationml/2006/main">
+  <p:cSld>
+    <p:spTree>
+      <p:nvGrpSpPr>
+        <p:cNvPr id="1" name=""/>
+        <p:cNvGrpSpPr/>
+        <p:nvPr/>
+      </p:nvGrpSpPr>
+      <p:grpSpPr>
+        <a:xfrm>
+          <a:off x="0" y="0"/>
+          <a:ext cx="0" cy="0"/>
+          <a:chOff x="0" y="0"/>
+          <a:chExt cx="0" cy="0"/>
+        </a:xfrm>
+      </p:grpSpPr>
+      <p:sp>
+        <p:nvSpPr>
+          <p:cNvPr id="2" name="Rectangle: Rounded Corners 1">
+            <a:extLst>
+              <a:ext uri="{FF2B5EF4-FFF2-40B4-BE49-F238E27FC236}">
+                <a16:creationId xmlns:a16="http://schemas.microsoft.com/office/drawing/2014/main" id="{AB6435A0-E56E-469D-9DEB-C41001D2D15C}"/>
+              </a:ext>
+            </a:extLst>
+          </p:cNvPr>
+          <p:cNvSpPr/>
+          <p:nvPr/>
+        </p:nvSpPr>
+        <p:spPr>
+          <a:xfrm>
+            <a:off x="2982897" y="923278"/>
+            <a:ext cx="3533313" cy="3302493"/>
+          </a:xfrm>
+          <a:prstGeom prst="roundRect">
+            <a:avLst/>
+          </a:prstGeom>
+          <a:solidFill>
+            <a:schemeClr val="bg1"/>
+          </a:solidFill>
+          <a:ln>
+            <a:solidFill>
+              <a:schemeClr val="tx1"/>
+            </a:solidFill>
+          </a:ln>
+        </p:spPr>
+        <p:style>
+          <a:lnRef idx="2">
+            <a:schemeClr val="accent1">
+              <a:shade val="50000"/>
+            </a:schemeClr>
+          </a:lnRef>
+          <a:fillRef idx="1">
+            <a:schemeClr val="accent1"/>
+          </a:fillRef>
+          <a:effectRef idx="0">
+            <a:schemeClr val="accent1"/>
+          </a:effectRef>
+          <a:fontRef idx="minor">
+            <a:schemeClr val="lt1"/>
+          </a:fontRef>
+        </p:style>
+        <p:txBody>
+          <a:bodyPr rtlCol="0" anchor="ctr"/>
+          <a:lstStyle/>
+          <a:p>
+            <a:pPr algn="ctr"/>
+            <a:endParaRPr lang="en-US" dirty="0"/>
+          </a:p>
+        </p:txBody>
+      </p:sp>
+    </p:spTree>
+    <p:extLst>
+      <p:ext uri="{BB962C8B-B14F-4D97-AF65-F5344CB8AC3E}">
+        <p14:creationId xmlns:p14="http://schemas.microsoft.com/office/powerpoint/2010/main" val="1679497534"/>
+      </p:ext>
+    </p:extLst>
+  </p:cSld>
+  <p:clrMapOvr>
+    <a:masterClrMapping/>
+  </p:clrMapOvr>
+</p:sld>
+</file>
+
+<file path=ppt/slides/slide3.xml><?xml version="1.0" encoding="utf-8"?>
+<p:sld xmlns:a="http://schemas.openxmlformats.org/drawingml/2006/main" xmlns:r="http://schemas.openxmlformats.org/officeDocument/2006/relationships" xmlns:p="http://schemas.openxmlformats.org/presentationml/2006/main">
+  <p:cSld>
+    <p:spTree>
+      <p:nvGrpSpPr>
+        <p:cNvPr id="1" name=""/>
+        <p:cNvGrpSpPr/>
+        <p:nvPr/>
+      </p:nvGrpSpPr>
+      <p:grpSpPr>
+        <a:xfrm>
+          <a:off x="0" y="0"/>
+          <a:ext cx="0" cy="0"/>
+          <a:chOff x="0" y="0"/>
+          <a:chExt cx="0" cy="0"/>
+        </a:xfrm>
+      </p:grpSpPr>
+      <p:sp>
+        <p:nvSpPr>
+          <p:cNvPr id="2" name="Rectangle: Rounded Corners 1">
+            <a:extLst>
+              <a:ext uri="{FF2B5EF4-FFF2-40B4-BE49-F238E27FC236}">
+                <a16:creationId xmlns:a16="http://schemas.microsoft.com/office/drawing/2014/main" id="{AB6435A0-E56E-469D-9DEB-C41001D2D15C}"/>
+              </a:ext>
+            </a:extLst>
+          </p:cNvPr>
+          <p:cNvSpPr/>
+          <p:nvPr/>
+        </p:nvSpPr>
+        <p:spPr>
+          <a:xfrm>
+            <a:off x="2982897" y="923278"/>
+            <a:ext cx="3533313" cy="3302493"/>
+          </a:xfrm>
+          <a:prstGeom prst="roundRect">
+            <a:avLst/>
+          </a:prstGeom>
+          <a:solidFill>
+            <a:schemeClr val="bg1"/>
+          </a:solidFill>
+          <a:ln>
+            <a:solidFill>
+              <a:schemeClr val="tx1"/>
+            </a:solidFill>
+          </a:ln>
+        </p:spPr>
+        <p:style>
+          <a:lnRef idx="2">
+            <a:schemeClr val="accent1">
+              <a:shade val="50000"/>
+            </a:schemeClr>
+          </a:lnRef>
+          <a:fillRef idx="1">
+            <a:schemeClr val="accent1"/>
+          </a:fillRef>
+          <a:effectRef idx="0">
+            <a:schemeClr val="accent1"/>
+          </a:effectRef>
+          <a:fontRef idx="minor">
+            <a:schemeClr val="lt1"/>
+          </a:fontRef>
+        </p:style>
+        <p:txBody>
+          <a:bodyPr rtlCol="0" anchor="ctr"/>
+          <a:lstStyle/>
+          <a:p>
+            <a:pPr algn="ctr"/>
+            <a:endParaRPr lang="en-US" dirty="0"/>
+          </a:p>
+        </p:txBody>
+      </p:sp>
+      <p:pic>
+        <p:nvPicPr>
+          <p:cNvPr id="6" name="Picture 5">
+            <a:extLst>
+              <a:ext uri="{FF2B5EF4-FFF2-40B4-BE49-F238E27FC236}">
+                <a16:creationId xmlns:a16="http://schemas.microsoft.com/office/drawing/2014/main" id="{B6B93CFB-A196-4866-8F1C-7F4795A12D55}"/>
+              </a:ext>
+            </a:extLst>
+          </p:cNvPr>
+          <p:cNvPicPr>
+            <a:picLocks noChangeAspect="1"/>
+          </p:cNvPicPr>
+          <p:nvPr/>
+        </p:nvPicPr>
+        <p:blipFill>
+          <a:blip r:embed="rId2"/>
+          <a:stretch>
+            <a:fillRect/>
+          </a:stretch>
+        </p:blipFill>
+        <p:spPr>
+          <a:xfrm>
+            <a:off x="3062796" y="2617191"/>
+            <a:ext cx="3453414" cy="754755"/>
+          </a:xfrm>
+          <a:prstGeom prst="rect">
+            <a:avLst/>
+          </a:prstGeom>
+        </p:spPr>
+      </p:pic>
+      <p:sp>
+        <p:nvSpPr>
+          <p:cNvPr id="7" name="TextBox 6">
+            <a:extLst>
+              <a:ext uri="{FF2B5EF4-FFF2-40B4-BE49-F238E27FC236}">
+                <a16:creationId xmlns:a16="http://schemas.microsoft.com/office/drawing/2014/main" id="{CC62D80D-A0E2-49C7-9B94-92CC42EA21F6}"/>
+              </a:ext>
+            </a:extLst>
+          </p:cNvPr>
+          <p:cNvSpPr txBox="1"/>
+          <p:nvPr/>
+        </p:nvSpPr>
+        <p:spPr>
+          <a:xfrm>
+            <a:off x="3526942" y="1447895"/>
+            <a:ext cx="2445221" cy="630942"/>
+          </a:xfrm>
+          <a:prstGeom prst="rect">
+            <a:avLst/>
+          </a:prstGeom>
+          <a:noFill/>
+        </p:spPr>
+        <p:txBody>
+          <a:bodyPr wrap="none" rtlCol="0">
+            <a:spAutoFit/>
+          </a:bodyPr>
+          <a:lstStyle/>
+          <a:p>
+            <a:r>
+              <a:rPr lang="en-US" sz="3500" dirty="0"/>
+              <a:t>Data Parsing</a:t>
+            </a:r>
+          </a:p>
+        </p:txBody>
+      </p:sp>
+    </p:spTree>
+    <p:extLst>
+      <p:ext uri="{BB962C8B-B14F-4D97-AF65-F5344CB8AC3E}">
+        <p14:creationId xmlns:p14="http://schemas.microsoft.com/office/powerpoint/2010/main" val="895159198"/>
+      </p:ext>
+    </p:extLst>
+  </p:cSld>
+  <p:clrMapOvr>
+    <a:masterClrMapping/>
+  </p:clrMapOvr>
+</p:sld>
+</file>
+
+<file path=ppt/slides/slide4.xml><?xml version="1.0" encoding="utf-8"?>
 <p:sld xmlns:a="http://schemas.openxmlformats.org/drawingml/2006/main" xmlns:r="http://schemas.openxmlformats.org/officeDocument/2006/relationships" xmlns:p="http://schemas.openxmlformats.org/presentationml/2006/main">
   <p:cSld>
     <p:spTree>
@@ -3908,7 +4203,7 @@
 </p:sld>
 </file>
 
-<file path=ppt/slides/slide3.xml><?xml version="1.0" encoding="utf-8"?>
+<file path=ppt/slides/slide5.xml><?xml version="1.0" encoding="utf-8"?>
 <p:sld xmlns:a="http://schemas.openxmlformats.org/drawingml/2006/main" xmlns:r="http://schemas.openxmlformats.org/officeDocument/2006/relationships" xmlns:p="http://schemas.openxmlformats.org/presentationml/2006/main">
   <p:cSld>
     <p:spTree>
@@ -4074,7 +4369,7 @@
 </p:sld>
 </file>
 
-<file path=ppt/slides/slide4.xml><?xml version="1.0" encoding="utf-8"?>
+<file path=ppt/slides/slide6.xml><?xml version="1.0" encoding="utf-8"?>
 <p:sld xmlns:a="http://schemas.openxmlformats.org/drawingml/2006/main" xmlns:r="http://schemas.openxmlformats.org/officeDocument/2006/relationships" xmlns:p="http://schemas.openxmlformats.org/presentationml/2006/main">
   <p:cSld>
     <p:spTree>
@@ -4541,7 +4836,7 @@
 </p:sld>
 </file>
 
-<file path=ppt/slides/slide5.xml><?xml version="1.0" encoding="utf-8"?>
+<file path=ppt/slides/slide7.xml><?xml version="1.0" encoding="utf-8"?>
 <p:sld xmlns:a="http://schemas.openxmlformats.org/drawingml/2006/main" xmlns:r="http://schemas.openxmlformats.org/officeDocument/2006/relationships" xmlns:p="http://schemas.openxmlformats.org/presentationml/2006/main">
   <p:cSld>
     <p:spTree>
@@ -4717,7 +5012,7 @@
 </p:sld>
 </file>
 
-<file path=ppt/slides/slide6.xml><?xml version="1.0" encoding="utf-8"?>
+<file path=ppt/slides/slide8.xml><?xml version="1.0" encoding="utf-8"?>
 <p:sld xmlns:a="http://schemas.openxmlformats.org/drawingml/2006/main" xmlns:r="http://schemas.openxmlformats.org/officeDocument/2006/relationships" xmlns:p="http://schemas.openxmlformats.org/presentationml/2006/main">
   <p:cSld>
     <p:spTree>
@@ -4788,10 +5083,642 @@
           </a:p>
         </p:txBody>
       </p:sp>
+      <p:cxnSp>
+        <p:nvCxnSpPr>
+          <p:cNvPr id="5" name="Straight Arrow Connector 4">
+            <a:extLst>
+              <a:ext uri="{FF2B5EF4-FFF2-40B4-BE49-F238E27FC236}">
+                <a16:creationId xmlns:a16="http://schemas.microsoft.com/office/drawing/2014/main" id="{0E17EAE2-15C4-46E2-84C4-4211920201F8}"/>
+              </a:ext>
+            </a:extLst>
+          </p:cNvPr>
+          <p:cNvCxnSpPr>
+            <a:cxnSpLocks/>
+          </p:cNvCxnSpPr>
+          <p:nvPr/>
+        </p:nvCxnSpPr>
+        <p:spPr>
+          <a:xfrm flipV="1">
+            <a:off x="3266983" y="1056443"/>
+            <a:ext cx="0" cy="2902998"/>
+          </a:xfrm>
+          <a:prstGeom prst="straightConnector1">
+            <a:avLst/>
+          </a:prstGeom>
+          <a:ln w="38100">
+            <a:headEnd type="none" w="med" len="med"/>
+            <a:tailEnd type="arrow" w="med" len="med"/>
+          </a:ln>
+        </p:spPr>
+        <p:style>
+          <a:lnRef idx="1">
+            <a:schemeClr val="dk1"/>
+          </a:lnRef>
+          <a:fillRef idx="0">
+            <a:schemeClr val="dk1"/>
+          </a:fillRef>
+          <a:effectRef idx="0">
+            <a:schemeClr val="dk1"/>
+          </a:effectRef>
+          <a:fontRef idx="minor">
+            <a:schemeClr val="tx1"/>
+          </a:fontRef>
+        </p:style>
+      </p:cxnSp>
+      <p:cxnSp>
+        <p:nvCxnSpPr>
+          <p:cNvPr id="6" name="Straight Arrow Connector 5">
+            <a:extLst>
+              <a:ext uri="{FF2B5EF4-FFF2-40B4-BE49-F238E27FC236}">
+                <a16:creationId xmlns:a16="http://schemas.microsoft.com/office/drawing/2014/main" id="{4D7C6092-8785-4CAA-971B-A7D8CB859E01}"/>
+              </a:ext>
+            </a:extLst>
+          </p:cNvPr>
+          <p:cNvCxnSpPr>
+            <a:cxnSpLocks/>
+          </p:cNvCxnSpPr>
+          <p:nvPr/>
+        </p:nvCxnSpPr>
+        <p:spPr>
+          <a:xfrm>
+            <a:off x="3266983" y="3959441"/>
+            <a:ext cx="3080551" cy="0"/>
+          </a:xfrm>
+          <a:prstGeom prst="straightConnector1">
+            <a:avLst/>
+          </a:prstGeom>
+          <a:ln w="38100">
+            <a:headEnd type="none" w="med" len="med"/>
+            <a:tailEnd type="arrow" w="med" len="med"/>
+          </a:ln>
+        </p:spPr>
+        <p:style>
+          <a:lnRef idx="1">
+            <a:schemeClr val="dk1"/>
+          </a:lnRef>
+          <a:fillRef idx="0">
+            <a:schemeClr val="dk1"/>
+          </a:fillRef>
+          <a:effectRef idx="0">
+            <a:schemeClr val="dk1"/>
+          </a:effectRef>
+          <a:fontRef idx="minor">
+            <a:schemeClr val="tx1"/>
+          </a:fontRef>
+        </p:style>
+      </p:cxnSp>
+      <p:sp>
+        <p:nvSpPr>
+          <p:cNvPr id="7" name="Freeform: Shape 6">
+            <a:extLst>
+              <a:ext uri="{FF2B5EF4-FFF2-40B4-BE49-F238E27FC236}">
+                <a16:creationId xmlns:a16="http://schemas.microsoft.com/office/drawing/2014/main" id="{858718A3-0BF9-4389-8AB7-D901008BD1B9}"/>
+              </a:ext>
+            </a:extLst>
+          </p:cNvPr>
+          <p:cNvSpPr/>
+          <p:nvPr/>
+        </p:nvSpPr>
+        <p:spPr>
+          <a:xfrm>
+            <a:off x="3389147" y="2778832"/>
+            <a:ext cx="2720811" cy="1043045"/>
+          </a:xfrm>
+          <a:custGeom>
+            <a:avLst/>
+            <a:gdLst>
+              <a:gd name="connsiteX0" fmla="*/ 2720811 w 2720811"/>
+              <a:gd name="connsiteY0" fmla="*/ 0 h 1043045"/>
+              <a:gd name="connsiteX1" fmla="*/ 2063863 w 2720811"/>
+              <a:gd name="connsiteY1" fmla="*/ 435006 h 1043045"/>
+              <a:gd name="connsiteX2" fmla="*/ 918644 w 2720811"/>
+              <a:gd name="connsiteY2" fmla="*/ 727969 h 1043045"/>
+              <a:gd name="connsiteX3" fmla="*/ 226186 w 2720811"/>
+              <a:gd name="connsiteY3" fmla="*/ 168676 h 1043045"/>
+              <a:gd name="connsiteX4" fmla="*/ 13122 w 2720811"/>
+              <a:gd name="connsiteY4" fmla="*/ 985421 h 1043045"/>
+              <a:gd name="connsiteX5" fmla="*/ 21999 w 2720811"/>
+              <a:gd name="connsiteY5" fmla="*/ 976544 h 1043045"/>
+              <a:gd name="connsiteX6" fmla="*/ 21999 w 2720811"/>
+              <a:gd name="connsiteY6" fmla="*/ 976544 h 1043045"/>
+            </a:gdLst>
+            <a:ahLst/>
+            <a:cxnLst>
+              <a:cxn ang="0">
+                <a:pos x="connsiteX0" y="connsiteY0"/>
+              </a:cxn>
+              <a:cxn ang="0">
+                <a:pos x="connsiteX1" y="connsiteY1"/>
+              </a:cxn>
+              <a:cxn ang="0">
+                <a:pos x="connsiteX2" y="connsiteY2"/>
+              </a:cxn>
+              <a:cxn ang="0">
+                <a:pos x="connsiteX3" y="connsiteY3"/>
+              </a:cxn>
+              <a:cxn ang="0">
+                <a:pos x="connsiteX4" y="connsiteY4"/>
+              </a:cxn>
+              <a:cxn ang="0">
+                <a:pos x="connsiteX5" y="connsiteY5"/>
+              </a:cxn>
+              <a:cxn ang="0">
+                <a:pos x="connsiteX6" y="connsiteY6"/>
+              </a:cxn>
+            </a:cxnLst>
+            <a:rect l="l" t="t" r="r" b="b"/>
+            <a:pathLst>
+              <a:path w="2720811" h="1043045">
+                <a:moveTo>
+                  <a:pt x="2720811" y="0"/>
+                </a:moveTo>
+                <a:cubicBezTo>
+                  <a:pt x="2542517" y="156839"/>
+                  <a:pt x="2364224" y="313678"/>
+                  <a:pt x="2063863" y="435006"/>
+                </a:cubicBezTo>
+                <a:cubicBezTo>
+                  <a:pt x="1763502" y="556334"/>
+                  <a:pt x="1224923" y="772357"/>
+                  <a:pt x="918644" y="727969"/>
+                </a:cubicBezTo>
+                <a:cubicBezTo>
+                  <a:pt x="612365" y="683581"/>
+                  <a:pt x="377106" y="125767"/>
+                  <a:pt x="226186" y="168676"/>
+                </a:cubicBezTo>
+                <a:cubicBezTo>
+                  <a:pt x="75266" y="211585"/>
+                  <a:pt x="13122" y="985421"/>
+                  <a:pt x="13122" y="985421"/>
+                </a:cubicBezTo>
+                <a:cubicBezTo>
+                  <a:pt x="-20909" y="1120066"/>
+                  <a:pt x="21999" y="976544"/>
+                  <a:pt x="21999" y="976544"/>
+                </a:cubicBezTo>
+                <a:lnTo>
+                  <a:pt x="21999" y="976544"/>
+                </a:lnTo>
+              </a:path>
+            </a:pathLst>
+          </a:custGeom>
+          <a:noFill/>
+          <a:ln w="28575">
+            <a:solidFill>
+              <a:srgbClr val="FF0000"/>
+            </a:solidFill>
+          </a:ln>
+        </p:spPr>
+        <p:style>
+          <a:lnRef idx="2">
+            <a:schemeClr val="accent1">
+              <a:shade val="50000"/>
+            </a:schemeClr>
+          </a:lnRef>
+          <a:fillRef idx="1">
+            <a:schemeClr val="accent1"/>
+          </a:fillRef>
+          <a:effectRef idx="0">
+            <a:schemeClr val="accent1"/>
+          </a:effectRef>
+          <a:fontRef idx="minor">
+            <a:schemeClr val="lt1"/>
+          </a:fontRef>
+        </p:style>
+        <p:txBody>
+          <a:bodyPr rtlCol="0" anchor="ctr"/>
+          <a:lstStyle/>
+          <a:p>
+            <a:pPr algn="ctr"/>
+            <a:endParaRPr lang="en-US"/>
+          </a:p>
+        </p:txBody>
+      </p:sp>
+      <p:sp>
+        <p:nvSpPr>
+          <p:cNvPr id="8" name="Freeform: Shape 7">
+            <a:extLst>
+              <a:ext uri="{FF2B5EF4-FFF2-40B4-BE49-F238E27FC236}">
+                <a16:creationId xmlns:a16="http://schemas.microsoft.com/office/drawing/2014/main" id="{D511A9DD-0BDC-40BB-9F67-C09D2586B250}"/>
+              </a:ext>
+            </a:extLst>
+          </p:cNvPr>
+          <p:cNvSpPr/>
+          <p:nvPr/>
+        </p:nvSpPr>
+        <p:spPr>
+          <a:xfrm>
+            <a:off x="3314101" y="2397369"/>
+            <a:ext cx="2829017" cy="1302619"/>
+          </a:xfrm>
+          <a:custGeom>
+            <a:avLst/>
+            <a:gdLst>
+              <a:gd name="connsiteX0" fmla="*/ 2720811 w 2720811"/>
+              <a:gd name="connsiteY0" fmla="*/ 0 h 1043045"/>
+              <a:gd name="connsiteX1" fmla="*/ 2063863 w 2720811"/>
+              <a:gd name="connsiteY1" fmla="*/ 435006 h 1043045"/>
+              <a:gd name="connsiteX2" fmla="*/ 918644 w 2720811"/>
+              <a:gd name="connsiteY2" fmla="*/ 727969 h 1043045"/>
+              <a:gd name="connsiteX3" fmla="*/ 226186 w 2720811"/>
+              <a:gd name="connsiteY3" fmla="*/ 168676 h 1043045"/>
+              <a:gd name="connsiteX4" fmla="*/ 13122 w 2720811"/>
+              <a:gd name="connsiteY4" fmla="*/ 985421 h 1043045"/>
+              <a:gd name="connsiteX5" fmla="*/ 21999 w 2720811"/>
+              <a:gd name="connsiteY5" fmla="*/ 976544 h 1043045"/>
+              <a:gd name="connsiteX6" fmla="*/ 21999 w 2720811"/>
+              <a:gd name="connsiteY6" fmla="*/ 976544 h 1043045"/>
+            </a:gdLst>
+            <a:ahLst/>
+            <a:cxnLst>
+              <a:cxn ang="0">
+                <a:pos x="connsiteX0" y="connsiteY0"/>
+              </a:cxn>
+              <a:cxn ang="0">
+                <a:pos x="connsiteX1" y="connsiteY1"/>
+              </a:cxn>
+              <a:cxn ang="0">
+                <a:pos x="connsiteX2" y="connsiteY2"/>
+              </a:cxn>
+              <a:cxn ang="0">
+                <a:pos x="connsiteX3" y="connsiteY3"/>
+              </a:cxn>
+              <a:cxn ang="0">
+                <a:pos x="connsiteX4" y="connsiteY4"/>
+              </a:cxn>
+              <a:cxn ang="0">
+                <a:pos x="connsiteX5" y="connsiteY5"/>
+              </a:cxn>
+              <a:cxn ang="0">
+                <a:pos x="connsiteX6" y="connsiteY6"/>
+              </a:cxn>
+            </a:cxnLst>
+            <a:rect l="l" t="t" r="r" b="b"/>
+            <a:pathLst>
+              <a:path w="2720811" h="1043045">
+                <a:moveTo>
+                  <a:pt x="2720811" y="0"/>
+                </a:moveTo>
+                <a:cubicBezTo>
+                  <a:pt x="2542517" y="156839"/>
+                  <a:pt x="2364224" y="313678"/>
+                  <a:pt x="2063863" y="435006"/>
+                </a:cubicBezTo>
+                <a:cubicBezTo>
+                  <a:pt x="1763502" y="556334"/>
+                  <a:pt x="1224923" y="772357"/>
+                  <a:pt x="918644" y="727969"/>
+                </a:cubicBezTo>
+                <a:cubicBezTo>
+                  <a:pt x="612365" y="683581"/>
+                  <a:pt x="377106" y="125767"/>
+                  <a:pt x="226186" y="168676"/>
+                </a:cubicBezTo>
+                <a:cubicBezTo>
+                  <a:pt x="75266" y="211585"/>
+                  <a:pt x="13122" y="985421"/>
+                  <a:pt x="13122" y="985421"/>
+                </a:cubicBezTo>
+                <a:cubicBezTo>
+                  <a:pt x="-20909" y="1120066"/>
+                  <a:pt x="21999" y="976544"/>
+                  <a:pt x="21999" y="976544"/>
+                </a:cubicBezTo>
+                <a:lnTo>
+                  <a:pt x="21999" y="976544"/>
+                </a:lnTo>
+              </a:path>
+            </a:pathLst>
+          </a:custGeom>
+          <a:noFill/>
+          <a:ln w="28575">
+            <a:solidFill>
+              <a:srgbClr val="FFC000"/>
+            </a:solidFill>
+          </a:ln>
+        </p:spPr>
+        <p:style>
+          <a:lnRef idx="2">
+            <a:schemeClr val="accent1">
+              <a:shade val="50000"/>
+            </a:schemeClr>
+          </a:lnRef>
+          <a:fillRef idx="1">
+            <a:schemeClr val="accent1"/>
+          </a:fillRef>
+          <a:effectRef idx="0">
+            <a:schemeClr val="accent1"/>
+          </a:effectRef>
+          <a:fontRef idx="minor">
+            <a:schemeClr val="lt1"/>
+          </a:fontRef>
+        </p:style>
+        <p:txBody>
+          <a:bodyPr rtlCol="0" anchor="ctr"/>
+          <a:lstStyle/>
+          <a:p>
+            <a:pPr algn="ctr"/>
+            <a:endParaRPr lang="en-US"/>
+          </a:p>
+        </p:txBody>
+      </p:sp>
+      <p:sp>
+        <p:nvSpPr>
+          <p:cNvPr id="9" name="Freeform: Shape 8">
+            <a:extLst>
+              <a:ext uri="{FF2B5EF4-FFF2-40B4-BE49-F238E27FC236}">
+                <a16:creationId xmlns:a16="http://schemas.microsoft.com/office/drawing/2014/main" id="{B4411A6A-3CF2-4375-9BB4-547E4BAE35B2}"/>
+              </a:ext>
+            </a:extLst>
+          </p:cNvPr>
+          <p:cNvSpPr/>
+          <p:nvPr/>
+        </p:nvSpPr>
+        <p:spPr>
+          <a:xfrm>
+            <a:off x="3266983" y="2066578"/>
+            <a:ext cx="2829012" cy="1043045"/>
+          </a:xfrm>
+          <a:custGeom>
+            <a:avLst/>
+            <a:gdLst>
+              <a:gd name="connsiteX0" fmla="*/ 2720811 w 2720811"/>
+              <a:gd name="connsiteY0" fmla="*/ 0 h 1043045"/>
+              <a:gd name="connsiteX1" fmla="*/ 2063863 w 2720811"/>
+              <a:gd name="connsiteY1" fmla="*/ 435006 h 1043045"/>
+              <a:gd name="connsiteX2" fmla="*/ 918644 w 2720811"/>
+              <a:gd name="connsiteY2" fmla="*/ 727969 h 1043045"/>
+              <a:gd name="connsiteX3" fmla="*/ 226186 w 2720811"/>
+              <a:gd name="connsiteY3" fmla="*/ 168676 h 1043045"/>
+              <a:gd name="connsiteX4" fmla="*/ 13122 w 2720811"/>
+              <a:gd name="connsiteY4" fmla="*/ 985421 h 1043045"/>
+              <a:gd name="connsiteX5" fmla="*/ 21999 w 2720811"/>
+              <a:gd name="connsiteY5" fmla="*/ 976544 h 1043045"/>
+              <a:gd name="connsiteX6" fmla="*/ 21999 w 2720811"/>
+              <a:gd name="connsiteY6" fmla="*/ 976544 h 1043045"/>
+            </a:gdLst>
+            <a:ahLst/>
+            <a:cxnLst>
+              <a:cxn ang="0">
+                <a:pos x="connsiteX0" y="connsiteY0"/>
+              </a:cxn>
+              <a:cxn ang="0">
+                <a:pos x="connsiteX1" y="connsiteY1"/>
+              </a:cxn>
+              <a:cxn ang="0">
+                <a:pos x="connsiteX2" y="connsiteY2"/>
+              </a:cxn>
+              <a:cxn ang="0">
+                <a:pos x="connsiteX3" y="connsiteY3"/>
+              </a:cxn>
+              <a:cxn ang="0">
+                <a:pos x="connsiteX4" y="connsiteY4"/>
+              </a:cxn>
+              <a:cxn ang="0">
+                <a:pos x="connsiteX5" y="connsiteY5"/>
+              </a:cxn>
+              <a:cxn ang="0">
+                <a:pos x="connsiteX6" y="connsiteY6"/>
+              </a:cxn>
+            </a:cxnLst>
+            <a:rect l="l" t="t" r="r" b="b"/>
+            <a:pathLst>
+              <a:path w="2720811" h="1043045">
+                <a:moveTo>
+                  <a:pt x="2720811" y="0"/>
+                </a:moveTo>
+                <a:cubicBezTo>
+                  <a:pt x="2542517" y="156839"/>
+                  <a:pt x="2364224" y="313678"/>
+                  <a:pt x="2063863" y="435006"/>
+                </a:cubicBezTo>
+                <a:cubicBezTo>
+                  <a:pt x="1763502" y="556334"/>
+                  <a:pt x="1224923" y="772357"/>
+                  <a:pt x="918644" y="727969"/>
+                </a:cubicBezTo>
+                <a:cubicBezTo>
+                  <a:pt x="612365" y="683581"/>
+                  <a:pt x="377106" y="125767"/>
+                  <a:pt x="226186" y="168676"/>
+                </a:cubicBezTo>
+                <a:cubicBezTo>
+                  <a:pt x="75266" y="211585"/>
+                  <a:pt x="13122" y="985421"/>
+                  <a:pt x="13122" y="985421"/>
+                </a:cubicBezTo>
+                <a:cubicBezTo>
+                  <a:pt x="-20909" y="1120066"/>
+                  <a:pt x="21999" y="976544"/>
+                  <a:pt x="21999" y="976544"/>
+                </a:cubicBezTo>
+                <a:lnTo>
+                  <a:pt x="21999" y="976544"/>
+                </a:lnTo>
+              </a:path>
+            </a:pathLst>
+          </a:custGeom>
+          <a:noFill/>
+          <a:ln w="28575">
+            <a:solidFill>
+              <a:srgbClr val="00B050"/>
+            </a:solidFill>
+          </a:ln>
+        </p:spPr>
+        <p:style>
+          <a:lnRef idx="2">
+            <a:schemeClr val="accent1">
+              <a:shade val="50000"/>
+            </a:schemeClr>
+          </a:lnRef>
+          <a:fillRef idx="1">
+            <a:schemeClr val="accent1"/>
+          </a:fillRef>
+          <a:effectRef idx="0">
+            <a:schemeClr val="accent1"/>
+          </a:effectRef>
+          <a:fontRef idx="minor">
+            <a:schemeClr val="lt1"/>
+          </a:fontRef>
+        </p:style>
+        <p:txBody>
+          <a:bodyPr rtlCol="0" anchor="ctr"/>
+          <a:lstStyle/>
+          <a:p>
+            <a:pPr algn="ctr"/>
+            <a:endParaRPr lang="en-US"/>
+          </a:p>
+        </p:txBody>
+      </p:sp>
+      <p:sp>
+        <p:nvSpPr>
+          <p:cNvPr id="10" name="Freeform: Shape 9">
+            <a:extLst>
+              <a:ext uri="{FF2B5EF4-FFF2-40B4-BE49-F238E27FC236}">
+                <a16:creationId xmlns:a16="http://schemas.microsoft.com/office/drawing/2014/main" id="{30285EFC-6F7E-47DD-99EE-FFDC6F228AEF}"/>
+              </a:ext>
+            </a:extLst>
+          </p:cNvPr>
+          <p:cNvSpPr/>
+          <p:nvPr/>
+        </p:nvSpPr>
+        <p:spPr>
+          <a:xfrm>
+            <a:off x="3253020" y="1710451"/>
+            <a:ext cx="2720811" cy="1043045"/>
+          </a:xfrm>
+          <a:custGeom>
+            <a:avLst/>
+            <a:gdLst>
+              <a:gd name="connsiteX0" fmla="*/ 2720811 w 2720811"/>
+              <a:gd name="connsiteY0" fmla="*/ 0 h 1043045"/>
+              <a:gd name="connsiteX1" fmla="*/ 2063863 w 2720811"/>
+              <a:gd name="connsiteY1" fmla="*/ 435006 h 1043045"/>
+              <a:gd name="connsiteX2" fmla="*/ 918644 w 2720811"/>
+              <a:gd name="connsiteY2" fmla="*/ 727969 h 1043045"/>
+              <a:gd name="connsiteX3" fmla="*/ 226186 w 2720811"/>
+              <a:gd name="connsiteY3" fmla="*/ 168676 h 1043045"/>
+              <a:gd name="connsiteX4" fmla="*/ 13122 w 2720811"/>
+              <a:gd name="connsiteY4" fmla="*/ 985421 h 1043045"/>
+              <a:gd name="connsiteX5" fmla="*/ 21999 w 2720811"/>
+              <a:gd name="connsiteY5" fmla="*/ 976544 h 1043045"/>
+              <a:gd name="connsiteX6" fmla="*/ 21999 w 2720811"/>
+              <a:gd name="connsiteY6" fmla="*/ 976544 h 1043045"/>
+            </a:gdLst>
+            <a:ahLst/>
+            <a:cxnLst>
+              <a:cxn ang="0">
+                <a:pos x="connsiteX0" y="connsiteY0"/>
+              </a:cxn>
+              <a:cxn ang="0">
+                <a:pos x="connsiteX1" y="connsiteY1"/>
+              </a:cxn>
+              <a:cxn ang="0">
+                <a:pos x="connsiteX2" y="connsiteY2"/>
+              </a:cxn>
+              <a:cxn ang="0">
+                <a:pos x="connsiteX3" y="connsiteY3"/>
+              </a:cxn>
+              <a:cxn ang="0">
+                <a:pos x="connsiteX4" y="connsiteY4"/>
+              </a:cxn>
+              <a:cxn ang="0">
+                <a:pos x="connsiteX5" y="connsiteY5"/>
+              </a:cxn>
+              <a:cxn ang="0">
+                <a:pos x="connsiteX6" y="connsiteY6"/>
+              </a:cxn>
+            </a:cxnLst>
+            <a:rect l="l" t="t" r="r" b="b"/>
+            <a:pathLst>
+              <a:path w="2720811" h="1043045">
+                <a:moveTo>
+                  <a:pt x="2720811" y="0"/>
+                </a:moveTo>
+                <a:cubicBezTo>
+                  <a:pt x="2542517" y="156839"/>
+                  <a:pt x="2364224" y="313678"/>
+                  <a:pt x="2063863" y="435006"/>
+                </a:cubicBezTo>
+                <a:cubicBezTo>
+                  <a:pt x="1763502" y="556334"/>
+                  <a:pt x="1224923" y="772357"/>
+                  <a:pt x="918644" y="727969"/>
+                </a:cubicBezTo>
+                <a:cubicBezTo>
+                  <a:pt x="612365" y="683581"/>
+                  <a:pt x="377106" y="125767"/>
+                  <a:pt x="226186" y="168676"/>
+                </a:cubicBezTo>
+                <a:cubicBezTo>
+                  <a:pt x="75266" y="211585"/>
+                  <a:pt x="13122" y="985421"/>
+                  <a:pt x="13122" y="985421"/>
+                </a:cubicBezTo>
+                <a:cubicBezTo>
+                  <a:pt x="-20909" y="1120066"/>
+                  <a:pt x="21999" y="976544"/>
+                  <a:pt x="21999" y="976544"/>
+                </a:cubicBezTo>
+                <a:lnTo>
+                  <a:pt x="21999" y="976544"/>
+                </a:lnTo>
+              </a:path>
+            </a:pathLst>
+          </a:custGeom>
+          <a:noFill/>
+          <a:ln w="28575">
+            <a:solidFill>
+              <a:srgbClr val="0070C0"/>
+            </a:solidFill>
+          </a:ln>
+        </p:spPr>
+        <p:style>
+          <a:lnRef idx="2">
+            <a:schemeClr val="accent1">
+              <a:shade val="50000"/>
+            </a:schemeClr>
+          </a:lnRef>
+          <a:fillRef idx="1">
+            <a:schemeClr val="accent1"/>
+          </a:fillRef>
+          <a:effectRef idx="0">
+            <a:schemeClr val="accent1"/>
+          </a:effectRef>
+          <a:fontRef idx="minor">
+            <a:schemeClr val="lt1"/>
+          </a:fontRef>
+        </p:style>
+        <p:txBody>
+          <a:bodyPr rtlCol="0" anchor="ctr"/>
+          <a:lstStyle/>
+          <a:p>
+            <a:pPr algn="ctr"/>
+            <a:endParaRPr lang="en-US"/>
+          </a:p>
+        </p:txBody>
+      </p:sp>
+      <p:sp>
+        <p:nvSpPr>
+          <p:cNvPr id="12" name="TextBox 11">
+            <a:extLst>
+              <a:ext uri="{FF2B5EF4-FFF2-40B4-BE49-F238E27FC236}">
+                <a16:creationId xmlns:a16="http://schemas.microsoft.com/office/drawing/2014/main" id="{14F3AB07-2E99-49FD-B12E-9CFD6FE48D37}"/>
+              </a:ext>
+            </a:extLst>
+          </p:cNvPr>
+          <p:cNvSpPr txBox="1"/>
+          <p:nvPr/>
+        </p:nvSpPr>
+        <p:spPr>
+          <a:xfrm>
+            <a:off x="3844031" y="1207363"/>
+            <a:ext cx="1757772" cy="430887"/>
+          </a:xfrm>
+          <a:prstGeom prst="rect">
+            <a:avLst/>
+          </a:prstGeom>
+          <a:noFill/>
+        </p:spPr>
+        <p:txBody>
+          <a:bodyPr wrap="square" rtlCol="0">
+            <a:spAutoFit/>
+          </a:bodyPr>
+          <a:lstStyle/>
+          <a:p>
+            <a:pPr algn="ctr"/>
+            <a:r>
+              <a:rPr lang="en-US" sz="2200" dirty="0"/>
+              <a:t>Multi-Plot</a:t>
+            </a:r>
+          </a:p>
+        </p:txBody>
+      </p:sp>
     </p:spTree>
     <p:extLst>
       <p:ext uri="{BB962C8B-B14F-4D97-AF65-F5344CB8AC3E}">
-        <p14:creationId xmlns:p14="http://schemas.microsoft.com/office/powerpoint/2010/main" val="1679497534"/>
+        <p14:creationId xmlns:p14="http://schemas.microsoft.com/office/powerpoint/2010/main" val="4150965792"/>
       </p:ext>
     </p:extLst>
   </p:cSld>
@@ -4801,7 +5728,7 @@
 </p:sld>
 </file>
 
-<file path=ppt/slides/slide7.xml><?xml version="1.0" encoding="utf-8"?>
+<file path=ppt/slides/slide9.xml><?xml version="1.0" encoding="utf-8"?>
 <p:sld xmlns:a="http://schemas.openxmlformats.org/drawingml/2006/main" xmlns:r="http://schemas.openxmlformats.org/officeDocument/2006/relationships" xmlns:p="http://schemas.openxmlformats.org/presentationml/2006/main">
   <p:cSld>
     <p:spTree>

--- a/PPMV_v1/icon_maker.pptx
+++ b/PPMV_v1/icon_maker.pptx
@@ -14,6 +14,7 @@
     <p:sldId id="260" r:id="rId8"/>
     <p:sldId id="263" r:id="rId9"/>
     <p:sldId id="262" r:id="rId10"/>
+    <p:sldId id="265" r:id="rId11"/>
   </p:sldIdLst>
   <p:sldSz cx="12192000" cy="6858000"/>
   <p:notesSz cx="6858000" cy="9144000"/>
@@ -267,7 +268,7 @@
           <a:p>
             <a:fld id="{0E4DBCDE-CD68-4BE3-9A6E-D648DEC77DF0}" type="datetimeFigureOut">
               <a:rPr lang="en-US" smtClean="0"/>
-              <a:t>9/24/2020</a:t>
+              <a:t>4/20/2021</a:t>
             </a:fld>
             <a:endParaRPr lang="en-US"/>
           </a:p>
@@ -465,7 +466,7 @@
           <a:p>
             <a:fld id="{0E4DBCDE-CD68-4BE3-9A6E-D648DEC77DF0}" type="datetimeFigureOut">
               <a:rPr lang="en-US" smtClean="0"/>
-              <a:t>9/24/2020</a:t>
+              <a:t>4/20/2021</a:t>
             </a:fld>
             <a:endParaRPr lang="en-US"/>
           </a:p>
@@ -673,7 +674,7 @@
           <a:p>
             <a:fld id="{0E4DBCDE-CD68-4BE3-9A6E-D648DEC77DF0}" type="datetimeFigureOut">
               <a:rPr lang="en-US" smtClean="0"/>
-              <a:t>9/24/2020</a:t>
+              <a:t>4/20/2021</a:t>
             </a:fld>
             <a:endParaRPr lang="en-US"/>
           </a:p>
@@ -871,7 +872,7 @@
           <a:p>
             <a:fld id="{0E4DBCDE-CD68-4BE3-9A6E-D648DEC77DF0}" type="datetimeFigureOut">
               <a:rPr lang="en-US" smtClean="0"/>
-              <a:t>9/24/2020</a:t>
+              <a:t>4/20/2021</a:t>
             </a:fld>
             <a:endParaRPr lang="en-US"/>
           </a:p>
@@ -1146,7 +1147,7 @@
           <a:p>
             <a:fld id="{0E4DBCDE-CD68-4BE3-9A6E-D648DEC77DF0}" type="datetimeFigureOut">
               <a:rPr lang="en-US" smtClean="0"/>
-              <a:t>9/24/2020</a:t>
+              <a:t>4/20/2021</a:t>
             </a:fld>
             <a:endParaRPr lang="en-US"/>
           </a:p>
@@ -1411,7 +1412,7 @@
           <a:p>
             <a:fld id="{0E4DBCDE-CD68-4BE3-9A6E-D648DEC77DF0}" type="datetimeFigureOut">
               <a:rPr lang="en-US" smtClean="0"/>
-              <a:t>9/24/2020</a:t>
+              <a:t>4/20/2021</a:t>
             </a:fld>
             <a:endParaRPr lang="en-US"/>
           </a:p>
@@ -1823,7 +1824,7 @@
           <a:p>
             <a:fld id="{0E4DBCDE-CD68-4BE3-9A6E-D648DEC77DF0}" type="datetimeFigureOut">
               <a:rPr lang="en-US" smtClean="0"/>
-              <a:t>9/24/2020</a:t>
+              <a:t>4/20/2021</a:t>
             </a:fld>
             <a:endParaRPr lang="en-US"/>
           </a:p>
@@ -1964,7 +1965,7 @@
           <a:p>
             <a:fld id="{0E4DBCDE-CD68-4BE3-9A6E-D648DEC77DF0}" type="datetimeFigureOut">
               <a:rPr lang="en-US" smtClean="0"/>
-              <a:t>9/24/2020</a:t>
+              <a:t>4/20/2021</a:t>
             </a:fld>
             <a:endParaRPr lang="en-US"/>
           </a:p>
@@ -2077,7 +2078,7 @@
           <a:p>
             <a:fld id="{0E4DBCDE-CD68-4BE3-9A6E-D648DEC77DF0}" type="datetimeFigureOut">
               <a:rPr lang="en-US" smtClean="0"/>
-              <a:t>9/24/2020</a:t>
+              <a:t>4/20/2021</a:t>
             </a:fld>
             <a:endParaRPr lang="en-US"/>
           </a:p>
@@ -2388,7 +2389,7 @@
           <a:p>
             <a:fld id="{0E4DBCDE-CD68-4BE3-9A6E-D648DEC77DF0}" type="datetimeFigureOut">
               <a:rPr lang="en-US" smtClean="0"/>
-              <a:t>9/24/2020</a:t>
+              <a:t>4/20/2021</a:t>
             </a:fld>
             <a:endParaRPr lang="en-US"/>
           </a:p>
@@ -2676,7 +2677,7 @@
           <a:p>
             <a:fld id="{0E4DBCDE-CD68-4BE3-9A6E-D648DEC77DF0}" type="datetimeFigureOut">
               <a:rPr lang="en-US" smtClean="0"/>
-              <a:t>9/24/2020</a:t>
+              <a:t>4/20/2021</a:t>
             </a:fld>
             <a:endParaRPr lang="en-US"/>
           </a:p>
@@ -2917,7 +2918,7 @@
           <a:p>
             <a:fld id="{0E4DBCDE-CD68-4BE3-9A6E-D648DEC77DF0}" type="datetimeFigureOut">
               <a:rPr lang="en-US" smtClean="0"/>
-              <a:t>9/24/2020</a:t>
+              <a:t>4/20/2021</a:t>
             </a:fld>
             <a:endParaRPr lang="en-US"/>
           </a:p>
@@ -3695,6 +3696,90 @@
     <p:extLst>
       <p:ext uri="{BB962C8B-B14F-4D97-AF65-F5344CB8AC3E}">
         <p14:creationId xmlns:p14="http://schemas.microsoft.com/office/powerpoint/2010/main" val="2682226683"/>
+      </p:ext>
+    </p:extLst>
+  </p:cSld>
+  <p:clrMapOvr>
+    <a:masterClrMapping/>
+  </p:clrMapOvr>
+</p:sld>
+</file>
+
+<file path=ppt/slides/slide10.xml><?xml version="1.0" encoding="utf-8"?>
+<p:sld xmlns:a="http://schemas.openxmlformats.org/drawingml/2006/main" xmlns:r="http://schemas.openxmlformats.org/officeDocument/2006/relationships" xmlns:p="http://schemas.openxmlformats.org/presentationml/2006/main">
+  <p:cSld>
+    <p:spTree>
+      <p:nvGrpSpPr>
+        <p:cNvPr id="1" name=""/>
+        <p:cNvGrpSpPr/>
+        <p:nvPr/>
+      </p:nvGrpSpPr>
+      <p:grpSpPr>
+        <a:xfrm>
+          <a:off x="0" y="0"/>
+          <a:ext cx="0" cy="0"/>
+          <a:chOff x="0" y="0"/>
+          <a:chExt cx="0" cy="0"/>
+        </a:xfrm>
+      </p:grpSpPr>
+      <p:sp>
+        <p:nvSpPr>
+          <p:cNvPr id="2" name="Rectangle: Rounded Corners 1">
+            <a:extLst>
+              <a:ext uri="{FF2B5EF4-FFF2-40B4-BE49-F238E27FC236}">
+                <a16:creationId xmlns:a16="http://schemas.microsoft.com/office/drawing/2014/main" id="{84B80922-FFD7-4196-99C3-75A38ED03F14}"/>
+              </a:ext>
+            </a:extLst>
+          </p:cNvPr>
+          <p:cNvSpPr/>
+          <p:nvPr/>
+        </p:nvSpPr>
+        <p:spPr>
+          <a:xfrm>
+            <a:off x="2982897" y="923278"/>
+            <a:ext cx="3533313" cy="3302493"/>
+          </a:xfrm>
+          <a:prstGeom prst="roundRect">
+            <a:avLst/>
+          </a:prstGeom>
+          <a:solidFill>
+            <a:schemeClr val="bg1"/>
+          </a:solidFill>
+          <a:ln>
+            <a:solidFill>
+              <a:schemeClr val="tx1"/>
+            </a:solidFill>
+          </a:ln>
+        </p:spPr>
+        <p:style>
+          <a:lnRef idx="2">
+            <a:schemeClr val="accent1">
+              <a:shade val="50000"/>
+            </a:schemeClr>
+          </a:lnRef>
+          <a:fillRef idx="1">
+            <a:schemeClr val="accent1"/>
+          </a:fillRef>
+          <a:effectRef idx="0">
+            <a:schemeClr val="accent1"/>
+          </a:effectRef>
+          <a:fontRef idx="minor">
+            <a:schemeClr val="lt1"/>
+          </a:fontRef>
+        </p:style>
+        <p:txBody>
+          <a:bodyPr rtlCol="0" anchor="ctr"/>
+          <a:lstStyle/>
+          <a:p>
+            <a:pPr algn="ctr"/>
+            <a:endParaRPr lang="en-US" dirty="0"/>
+          </a:p>
+        </p:txBody>
+      </p:sp>
+    </p:spTree>
+    <p:extLst>
+      <p:ext uri="{BB962C8B-B14F-4D97-AF65-F5344CB8AC3E}">
+        <p14:creationId xmlns:p14="http://schemas.microsoft.com/office/powerpoint/2010/main" val="3031786047"/>
       </p:ext>
     </p:extLst>
   </p:cSld>

--- a/PPMV_v1/icon_maker.pptx
+++ b/PPMV_v1/icon_maker.pptx
@@ -268,7 +268,7 @@
           <a:p>
             <a:fld id="{0E4DBCDE-CD68-4BE3-9A6E-D648DEC77DF0}" type="datetimeFigureOut">
               <a:rPr lang="en-US" smtClean="0"/>
-              <a:t>4/20/2021</a:t>
+              <a:t>6/21/2021</a:t>
             </a:fld>
             <a:endParaRPr lang="en-US"/>
           </a:p>
@@ -466,7 +466,7 @@
           <a:p>
             <a:fld id="{0E4DBCDE-CD68-4BE3-9A6E-D648DEC77DF0}" type="datetimeFigureOut">
               <a:rPr lang="en-US" smtClean="0"/>
-              <a:t>4/20/2021</a:t>
+              <a:t>6/21/2021</a:t>
             </a:fld>
             <a:endParaRPr lang="en-US"/>
           </a:p>
@@ -674,7 +674,7 @@
           <a:p>
             <a:fld id="{0E4DBCDE-CD68-4BE3-9A6E-D648DEC77DF0}" type="datetimeFigureOut">
               <a:rPr lang="en-US" smtClean="0"/>
-              <a:t>4/20/2021</a:t>
+              <a:t>6/21/2021</a:t>
             </a:fld>
             <a:endParaRPr lang="en-US"/>
           </a:p>
@@ -872,7 +872,7 @@
           <a:p>
             <a:fld id="{0E4DBCDE-CD68-4BE3-9A6E-D648DEC77DF0}" type="datetimeFigureOut">
               <a:rPr lang="en-US" smtClean="0"/>
-              <a:t>4/20/2021</a:t>
+              <a:t>6/21/2021</a:t>
             </a:fld>
             <a:endParaRPr lang="en-US"/>
           </a:p>
@@ -1147,7 +1147,7 @@
           <a:p>
             <a:fld id="{0E4DBCDE-CD68-4BE3-9A6E-D648DEC77DF0}" type="datetimeFigureOut">
               <a:rPr lang="en-US" smtClean="0"/>
-              <a:t>4/20/2021</a:t>
+              <a:t>6/21/2021</a:t>
             </a:fld>
             <a:endParaRPr lang="en-US"/>
           </a:p>
@@ -1412,7 +1412,7 @@
           <a:p>
             <a:fld id="{0E4DBCDE-CD68-4BE3-9A6E-D648DEC77DF0}" type="datetimeFigureOut">
               <a:rPr lang="en-US" smtClean="0"/>
-              <a:t>4/20/2021</a:t>
+              <a:t>6/21/2021</a:t>
             </a:fld>
             <a:endParaRPr lang="en-US"/>
           </a:p>
@@ -1824,7 +1824,7 @@
           <a:p>
             <a:fld id="{0E4DBCDE-CD68-4BE3-9A6E-D648DEC77DF0}" type="datetimeFigureOut">
               <a:rPr lang="en-US" smtClean="0"/>
-              <a:t>4/20/2021</a:t>
+              <a:t>6/21/2021</a:t>
             </a:fld>
             <a:endParaRPr lang="en-US"/>
           </a:p>
@@ -1965,7 +1965,7 @@
           <a:p>
             <a:fld id="{0E4DBCDE-CD68-4BE3-9A6E-D648DEC77DF0}" type="datetimeFigureOut">
               <a:rPr lang="en-US" smtClean="0"/>
-              <a:t>4/20/2021</a:t>
+              <a:t>6/21/2021</a:t>
             </a:fld>
             <a:endParaRPr lang="en-US"/>
           </a:p>
@@ -2078,7 +2078,7 @@
           <a:p>
             <a:fld id="{0E4DBCDE-CD68-4BE3-9A6E-D648DEC77DF0}" type="datetimeFigureOut">
               <a:rPr lang="en-US" smtClean="0"/>
-              <a:t>4/20/2021</a:t>
+              <a:t>6/21/2021</a:t>
             </a:fld>
             <a:endParaRPr lang="en-US"/>
           </a:p>
@@ -2389,7 +2389,7 @@
           <a:p>
             <a:fld id="{0E4DBCDE-CD68-4BE3-9A6E-D648DEC77DF0}" type="datetimeFigureOut">
               <a:rPr lang="en-US" smtClean="0"/>
-              <a:t>4/20/2021</a:t>
+              <a:t>6/21/2021</a:t>
             </a:fld>
             <a:endParaRPr lang="en-US"/>
           </a:p>
@@ -2677,7 +2677,7 @@
           <a:p>
             <a:fld id="{0E4DBCDE-CD68-4BE3-9A6E-D648DEC77DF0}" type="datetimeFigureOut">
               <a:rPr lang="en-US" smtClean="0"/>
-              <a:t>4/20/2021</a:t>
+              <a:t>6/21/2021</a:t>
             </a:fld>
             <a:endParaRPr lang="en-US"/>
           </a:p>
@@ -2918,7 +2918,7 @@
           <a:p>
             <a:fld id="{0E4DBCDE-CD68-4BE3-9A6E-D648DEC77DF0}" type="datetimeFigureOut">
               <a:rPr lang="en-US" smtClean="0"/>
-              <a:t>4/20/2021</a:t>
+              <a:t>6/21/2021</a:t>
             </a:fld>
             <a:endParaRPr lang="en-US"/>
           </a:p>
@@ -3692,6 +3692,36 @@
           </a:prstGeom>
         </p:spPr>
       </p:pic>
+      <p:pic>
+        <p:nvPicPr>
+          <p:cNvPr id="9" name="Picture 8">
+            <a:extLst>
+              <a:ext uri="{FF2B5EF4-FFF2-40B4-BE49-F238E27FC236}">
+                <a16:creationId xmlns:a16="http://schemas.microsoft.com/office/drawing/2014/main" id="{48D1E8CF-696C-4557-B46C-DF7C2BA2CC07}"/>
+              </a:ext>
+            </a:extLst>
+          </p:cNvPr>
+          <p:cNvPicPr>
+            <a:picLocks noChangeAspect="1"/>
+          </p:cNvPicPr>
+          <p:nvPr/>
+        </p:nvPicPr>
+        <p:blipFill>
+          <a:blip r:embed="rId11"/>
+          <a:stretch>
+            <a:fillRect/>
+          </a:stretch>
+        </p:blipFill>
+        <p:spPr>
+          <a:xfrm>
+            <a:off x="9282062" y="1198448"/>
+            <a:ext cx="589699" cy="551196"/>
+          </a:xfrm>
+          <a:prstGeom prst="rect">
+            <a:avLst/>
+          </a:prstGeom>
+        </p:spPr>
+      </p:pic>
     </p:spTree>
     <p:extLst>
       <p:ext uri="{BB962C8B-B14F-4D97-AF65-F5344CB8AC3E}">
@@ -3776,6 +3806,127 @@
           </a:p>
         </p:txBody>
       </p:sp>
+      <p:pic>
+        <p:nvPicPr>
+          <p:cNvPr id="3" name="Picture 8" descr="Electric Resister Icons - Download Free Vector Icons | Noun Project">
+            <a:extLst>
+              <a:ext uri="{FF2B5EF4-FFF2-40B4-BE49-F238E27FC236}">
+                <a16:creationId xmlns:a16="http://schemas.microsoft.com/office/drawing/2014/main" id="{31856457-77DF-4A44-8719-D492E35C21F8}"/>
+              </a:ext>
+            </a:extLst>
+          </p:cNvPr>
+          <p:cNvPicPr>
+            <a:picLocks noChangeAspect="1" noChangeArrowheads="1"/>
+          </p:cNvPicPr>
+          <p:nvPr/>
+        </p:nvPicPr>
+        <p:blipFill rotWithShape="1">
+          <a:blip r:embed="rId2">
+            <a:extLst>
+              <a:ext uri="{28A0092B-C50C-407E-A947-70E740481C1C}">
+                <a14:useLocalDpi xmlns:a14="http://schemas.microsoft.com/office/drawing/2010/main" val="0"/>
+              </a:ext>
+            </a:extLst>
+          </a:blip>
+          <a:srcRect l="15497" t="31088" r="11804" b="31864"/>
+          <a:stretch/>
+        </p:blipFill>
+        <p:spPr bwMode="auto">
+          <a:xfrm rot="5400000">
+            <a:off x="2674545" y="2079592"/>
+            <a:ext cx="1977206" cy="1007619"/>
+          </a:xfrm>
+          <a:prstGeom prst="rect">
+            <a:avLst/>
+          </a:prstGeom>
+          <a:noFill/>
+          <a:extLst>
+            <a:ext uri="{909E8E84-426E-40DD-AFC4-6F175D3DCCD1}">
+              <a14:hiddenFill xmlns:a14="http://schemas.microsoft.com/office/drawing/2010/main">
+                <a:solidFill>
+                  <a:srgbClr val="FFFFFF"/>
+                </a:solidFill>
+              </a14:hiddenFill>
+            </a:ext>
+          </a:extLst>
+        </p:spPr>
+      </p:pic>
+      <p:cxnSp>
+        <p:nvCxnSpPr>
+          <p:cNvPr id="5" name="Straight Arrow Connector 4">
+            <a:extLst>
+              <a:ext uri="{FF2B5EF4-FFF2-40B4-BE49-F238E27FC236}">
+                <a16:creationId xmlns:a16="http://schemas.microsoft.com/office/drawing/2014/main" id="{7EFFE049-AC1C-459C-9286-1B9872E94EC4}"/>
+              </a:ext>
+            </a:extLst>
+          </p:cNvPr>
+          <p:cNvCxnSpPr>
+            <a:cxnSpLocks/>
+          </p:cNvCxnSpPr>
+          <p:nvPr/>
+        </p:nvCxnSpPr>
+        <p:spPr>
+          <a:xfrm>
+            <a:off x="4378883" y="2574524"/>
+            <a:ext cx="1036468" cy="0"/>
+          </a:xfrm>
+          <a:prstGeom prst="straightConnector1">
+            <a:avLst/>
+          </a:prstGeom>
+          <a:ln w="76200">
+            <a:tailEnd type="triangle"/>
+          </a:ln>
+        </p:spPr>
+        <p:style>
+          <a:lnRef idx="1">
+            <a:schemeClr val="dk1"/>
+          </a:lnRef>
+          <a:fillRef idx="0">
+            <a:schemeClr val="dk1"/>
+          </a:fillRef>
+          <a:effectRef idx="0">
+            <a:schemeClr val="dk1"/>
+          </a:effectRef>
+          <a:fontRef idx="minor">
+            <a:schemeClr val="tx1"/>
+          </a:fontRef>
+        </p:style>
+      </p:cxnSp>
+      <p:pic>
+        <p:nvPicPr>
+          <p:cNvPr id="7" name="Picture 6" descr="Shape&#10;&#10;Description automatically generated with low confidence">
+            <a:extLst>
+              <a:ext uri="{FF2B5EF4-FFF2-40B4-BE49-F238E27FC236}">
+                <a16:creationId xmlns:a16="http://schemas.microsoft.com/office/drawing/2014/main" id="{EBED81C9-A69C-4BBA-9FFC-3421D398BA82}"/>
+              </a:ext>
+            </a:extLst>
+          </p:cNvPr>
+          <p:cNvPicPr>
+            <a:picLocks noChangeAspect="1"/>
+          </p:cNvPicPr>
+          <p:nvPr/>
+        </p:nvPicPr>
+        <p:blipFill rotWithShape="1">
+          <a:blip r:embed="rId3">
+            <a:extLst>
+              <a:ext uri="{28A0092B-C50C-407E-A947-70E740481C1C}">
+                <a14:useLocalDpi xmlns:a14="http://schemas.microsoft.com/office/drawing/2010/main" val="0"/>
+              </a:ext>
+            </a:extLst>
+          </a:blip>
+          <a:srcRect b="4337"/>
+          <a:stretch/>
+        </p:blipFill>
+        <p:spPr>
+          <a:xfrm>
+            <a:off x="5638681" y="1585921"/>
+            <a:ext cx="588913" cy="1977206"/>
+          </a:xfrm>
+          <a:prstGeom prst="rect">
+            <a:avLst/>
+          </a:prstGeom>
+        </p:spPr>
+      </p:pic>
     </p:spTree>
     <p:extLst>
       <p:ext uri="{BB962C8B-B14F-4D97-AF65-F5344CB8AC3E}">
